--- a/OCP 3.11 to 4.7.pptx
+++ b/OCP 3.11 to 4.7.pptx
@@ -58,7 +58,7 @@
       </p:grpSpPr>
       <p:sp>
         <p:nvSpPr>
-          <p:cNvPr id="26" name="PlaceHolder 1"/>
+          <p:cNvPr id="23" name="PlaceHolder 1"/>
           <p:cNvSpPr>
             <a:spLocks noGrp="1"/>
           </p:cNvSpPr>
@@ -68,8 +68,8 @@
         </p:nvSpPr>
         <p:spPr>
           <a:xfrm>
-            <a:off x="838080" y="365040"/>
-            <a:ext cx="10515240" cy="1325160"/>
+            <a:off x="609480" y="273600"/>
+            <a:ext cx="10972440" cy="1144800"/>
           </a:xfrm>
           <a:prstGeom prst="rect">
             <a:avLst/>
@@ -80,77 +80,69 @@
             <a:noAutofit/>
           </a:bodyPr>
           <a:p>
-            <a:endParaRPr b="0" lang="en-US" sz="1800" spc="-1" strike="noStrike">
-              <a:solidFill>
-                <a:srgbClr val="000000"/>
-              </a:solidFill>
-              <a:latin typeface="Calibri"/>
-            </a:endParaRPr>
-          </a:p>
-        </p:txBody>
-      </p:sp>
-      <p:sp>
-        <p:nvSpPr>
-          <p:cNvPr id="27" name="PlaceHolder 2"/>
-          <p:cNvSpPr>
-            <a:spLocks noGrp="1"/>
-          </p:cNvSpPr>
-          <p:nvPr>
-            <p:ph type="body"/>
-          </p:nvPr>
-        </p:nvSpPr>
-        <p:spPr>
-          <a:xfrm>
-            <a:off x="838080" y="1825560"/>
-            <a:ext cx="10515240" cy="2075040"/>
-          </a:xfrm>
-          <a:prstGeom prst="rect">
-            <a:avLst/>
-          </a:prstGeom>
-        </p:spPr>
-        <p:txBody>
-          <a:bodyPr lIns="0" rIns="0" tIns="0" bIns="0">
-            <a:normAutofit/>
-          </a:bodyPr>
-          <a:p>
-            <a:endParaRPr b="0" lang="en-US" sz="2800" spc="-1" strike="noStrike">
-              <a:solidFill>
-                <a:srgbClr val="000000"/>
-              </a:solidFill>
-              <a:latin typeface="Calibri"/>
-            </a:endParaRPr>
-          </a:p>
-        </p:txBody>
-      </p:sp>
-      <p:sp>
-        <p:nvSpPr>
-          <p:cNvPr id="28" name="PlaceHolder 3"/>
-          <p:cNvSpPr>
-            <a:spLocks noGrp="1"/>
-          </p:cNvSpPr>
-          <p:nvPr>
-            <p:ph type="body"/>
-          </p:nvPr>
-        </p:nvSpPr>
-        <p:spPr>
-          <a:xfrm>
-            <a:off x="838080" y="4098240"/>
-            <a:ext cx="10515240" cy="2075040"/>
-          </a:xfrm>
-          <a:prstGeom prst="rect">
-            <a:avLst/>
-          </a:prstGeom>
-        </p:spPr>
-        <p:txBody>
-          <a:bodyPr lIns="0" rIns="0" tIns="0" bIns="0">
-            <a:normAutofit/>
-          </a:bodyPr>
-          <a:p>
-            <a:endParaRPr b="0" lang="en-US" sz="2800" spc="-1" strike="noStrike">
-              <a:solidFill>
-                <a:srgbClr val="000000"/>
-              </a:solidFill>
-              <a:latin typeface="Calibri"/>
+            <a:pPr algn="ctr"/>
+            <a:endParaRPr b="0" lang="en-IN" sz="4400" spc="-1" strike="noStrike">
+              <a:latin typeface="Arial"/>
+            </a:endParaRPr>
+          </a:p>
+        </p:txBody>
+      </p:sp>
+      <p:sp>
+        <p:nvSpPr>
+          <p:cNvPr id="24" name="PlaceHolder 2"/>
+          <p:cNvSpPr>
+            <a:spLocks noGrp="1"/>
+          </p:cNvSpPr>
+          <p:nvPr>
+            <p:ph type="body"/>
+          </p:nvPr>
+        </p:nvSpPr>
+        <p:spPr>
+          <a:xfrm>
+            <a:off x="609480" y="1604520"/>
+            <a:ext cx="10972440" cy="1896840"/>
+          </a:xfrm>
+          <a:prstGeom prst="rect">
+            <a:avLst/>
+          </a:prstGeom>
+        </p:spPr>
+        <p:txBody>
+          <a:bodyPr lIns="0" rIns="0" tIns="0" bIns="0">
+            <a:normAutofit/>
+          </a:bodyPr>
+          <a:p>
+            <a:endParaRPr b="0" lang="en-IN" sz="3200" spc="-1" strike="noStrike">
+              <a:latin typeface="Arial"/>
+            </a:endParaRPr>
+          </a:p>
+        </p:txBody>
+      </p:sp>
+      <p:sp>
+        <p:nvSpPr>
+          <p:cNvPr id="25" name="PlaceHolder 3"/>
+          <p:cNvSpPr>
+            <a:spLocks noGrp="1"/>
+          </p:cNvSpPr>
+          <p:nvPr>
+            <p:ph type="body"/>
+          </p:nvPr>
+        </p:nvSpPr>
+        <p:spPr>
+          <a:xfrm>
+            <a:off x="609480" y="3682080"/>
+            <a:ext cx="10972440" cy="1896840"/>
+          </a:xfrm>
+          <a:prstGeom prst="rect">
+            <a:avLst/>
+          </a:prstGeom>
+        </p:spPr>
+        <p:txBody>
+          <a:bodyPr lIns="0" rIns="0" tIns="0" bIns="0">
+            <a:normAutofit/>
+          </a:bodyPr>
+          <a:p>
+            <a:endParaRPr b="0" lang="en-IN" sz="3200" spc="-1" strike="noStrike">
+              <a:latin typeface="Arial"/>
             </a:endParaRPr>
           </a:p>
         </p:txBody>
@@ -179,7 +171,7 @@
       </p:grpSpPr>
       <p:sp>
         <p:nvSpPr>
-          <p:cNvPr id="29" name="PlaceHolder 1"/>
+          <p:cNvPr id="26" name="PlaceHolder 1"/>
           <p:cNvSpPr>
             <a:spLocks noGrp="1"/>
           </p:cNvSpPr>
@@ -189,8 +181,8 @@
         </p:nvSpPr>
         <p:spPr>
           <a:xfrm>
-            <a:off x="838080" y="365040"/>
-            <a:ext cx="10515240" cy="1325160"/>
+            <a:off x="609480" y="273600"/>
+            <a:ext cx="10972440" cy="1144800"/>
           </a:xfrm>
           <a:prstGeom prst="rect">
             <a:avLst/>
@@ -201,143 +193,129 @@
             <a:noAutofit/>
           </a:bodyPr>
           <a:p>
-            <a:endParaRPr b="0" lang="en-US" sz="1800" spc="-1" strike="noStrike">
-              <a:solidFill>
-                <a:srgbClr val="000000"/>
-              </a:solidFill>
-              <a:latin typeface="Calibri"/>
-            </a:endParaRPr>
-          </a:p>
-        </p:txBody>
-      </p:sp>
-      <p:sp>
-        <p:nvSpPr>
-          <p:cNvPr id="30" name="PlaceHolder 2"/>
-          <p:cNvSpPr>
-            <a:spLocks noGrp="1"/>
-          </p:cNvSpPr>
-          <p:nvPr>
-            <p:ph type="body"/>
-          </p:nvPr>
-        </p:nvSpPr>
-        <p:spPr>
-          <a:xfrm>
-            <a:off x="838080" y="1825560"/>
-            <a:ext cx="5131080" cy="2075040"/>
-          </a:xfrm>
-          <a:prstGeom prst="rect">
-            <a:avLst/>
-          </a:prstGeom>
-        </p:spPr>
-        <p:txBody>
-          <a:bodyPr lIns="0" rIns="0" tIns="0" bIns="0">
-            <a:normAutofit/>
-          </a:bodyPr>
-          <a:p>
-            <a:endParaRPr b="0" lang="en-US" sz="2800" spc="-1" strike="noStrike">
-              <a:solidFill>
-                <a:srgbClr val="000000"/>
-              </a:solidFill>
-              <a:latin typeface="Calibri"/>
-            </a:endParaRPr>
-          </a:p>
-        </p:txBody>
-      </p:sp>
-      <p:sp>
-        <p:nvSpPr>
-          <p:cNvPr id="31" name="PlaceHolder 3"/>
-          <p:cNvSpPr>
-            <a:spLocks noGrp="1"/>
-          </p:cNvSpPr>
-          <p:nvPr>
-            <p:ph type="body"/>
-          </p:nvPr>
-        </p:nvSpPr>
-        <p:spPr>
-          <a:xfrm>
-            <a:off x="6226200" y="1825560"/>
-            <a:ext cx="5131080" cy="2075040"/>
-          </a:xfrm>
-          <a:prstGeom prst="rect">
-            <a:avLst/>
-          </a:prstGeom>
-        </p:spPr>
-        <p:txBody>
-          <a:bodyPr lIns="0" rIns="0" tIns="0" bIns="0">
-            <a:normAutofit/>
-          </a:bodyPr>
-          <a:p>
-            <a:endParaRPr b="0" lang="en-US" sz="2800" spc="-1" strike="noStrike">
-              <a:solidFill>
-                <a:srgbClr val="000000"/>
-              </a:solidFill>
-              <a:latin typeface="Calibri"/>
-            </a:endParaRPr>
-          </a:p>
-        </p:txBody>
-      </p:sp>
-      <p:sp>
-        <p:nvSpPr>
-          <p:cNvPr id="32" name="PlaceHolder 4"/>
-          <p:cNvSpPr>
-            <a:spLocks noGrp="1"/>
-          </p:cNvSpPr>
-          <p:nvPr>
-            <p:ph type="body"/>
-          </p:nvPr>
-        </p:nvSpPr>
-        <p:spPr>
-          <a:xfrm>
-            <a:off x="838080" y="4098240"/>
-            <a:ext cx="5131080" cy="2075040"/>
-          </a:xfrm>
-          <a:prstGeom prst="rect">
-            <a:avLst/>
-          </a:prstGeom>
-        </p:spPr>
-        <p:txBody>
-          <a:bodyPr lIns="0" rIns="0" tIns="0" bIns="0">
-            <a:normAutofit/>
-          </a:bodyPr>
-          <a:p>
-            <a:endParaRPr b="0" lang="en-US" sz="2800" spc="-1" strike="noStrike">
-              <a:solidFill>
-                <a:srgbClr val="000000"/>
-              </a:solidFill>
-              <a:latin typeface="Calibri"/>
-            </a:endParaRPr>
-          </a:p>
-        </p:txBody>
-      </p:sp>
-      <p:sp>
-        <p:nvSpPr>
-          <p:cNvPr id="33" name="PlaceHolder 5"/>
-          <p:cNvSpPr>
-            <a:spLocks noGrp="1"/>
-          </p:cNvSpPr>
-          <p:nvPr>
-            <p:ph type="body"/>
-          </p:nvPr>
-        </p:nvSpPr>
-        <p:spPr>
-          <a:xfrm>
-            <a:off x="6226200" y="4098240"/>
-            <a:ext cx="5131080" cy="2075040"/>
-          </a:xfrm>
-          <a:prstGeom prst="rect">
-            <a:avLst/>
-          </a:prstGeom>
-        </p:spPr>
-        <p:txBody>
-          <a:bodyPr lIns="0" rIns="0" tIns="0" bIns="0">
-            <a:normAutofit/>
-          </a:bodyPr>
-          <a:p>
-            <a:endParaRPr b="0" lang="en-US" sz="2800" spc="-1" strike="noStrike">
-              <a:solidFill>
-                <a:srgbClr val="000000"/>
-              </a:solidFill>
-              <a:latin typeface="Calibri"/>
+            <a:pPr algn="ctr"/>
+            <a:endParaRPr b="0" lang="en-IN" sz="4400" spc="-1" strike="noStrike">
+              <a:latin typeface="Arial"/>
+            </a:endParaRPr>
+          </a:p>
+        </p:txBody>
+      </p:sp>
+      <p:sp>
+        <p:nvSpPr>
+          <p:cNvPr id="27" name="PlaceHolder 2"/>
+          <p:cNvSpPr>
+            <a:spLocks noGrp="1"/>
+          </p:cNvSpPr>
+          <p:nvPr>
+            <p:ph type="body"/>
+          </p:nvPr>
+        </p:nvSpPr>
+        <p:spPr>
+          <a:xfrm>
+            <a:off x="609480" y="1604520"/>
+            <a:ext cx="5354280" cy="1896840"/>
+          </a:xfrm>
+          <a:prstGeom prst="rect">
+            <a:avLst/>
+          </a:prstGeom>
+        </p:spPr>
+        <p:txBody>
+          <a:bodyPr lIns="0" rIns="0" tIns="0" bIns="0">
+            <a:normAutofit/>
+          </a:bodyPr>
+          <a:p>
+            <a:endParaRPr b="0" lang="en-IN" sz="3200" spc="-1" strike="noStrike">
+              <a:latin typeface="Arial"/>
+            </a:endParaRPr>
+          </a:p>
+        </p:txBody>
+      </p:sp>
+      <p:sp>
+        <p:nvSpPr>
+          <p:cNvPr id="28" name="PlaceHolder 3"/>
+          <p:cNvSpPr>
+            <a:spLocks noGrp="1"/>
+          </p:cNvSpPr>
+          <p:nvPr>
+            <p:ph type="body"/>
+          </p:nvPr>
+        </p:nvSpPr>
+        <p:spPr>
+          <a:xfrm>
+            <a:off x="6231960" y="1604520"/>
+            <a:ext cx="5354280" cy="1896840"/>
+          </a:xfrm>
+          <a:prstGeom prst="rect">
+            <a:avLst/>
+          </a:prstGeom>
+        </p:spPr>
+        <p:txBody>
+          <a:bodyPr lIns="0" rIns="0" tIns="0" bIns="0">
+            <a:normAutofit/>
+          </a:bodyPr>
+          <a:p>
+            <a:endParaRPr b="0" lang="en-IN" sz="3200" spc="-1" strike="noStrike">
+              <a:latin typeface="Arial"/>
+            </a:endParaRPr>
+          </a:p>
+        </p:txBody>
+      </p:sp>
+      <p:sp>
+        <p:nvSpPr>
+          <p:cNvPr id="29" name="PlaceHolder 4"/>
+          <p:cNvSpPr>
+            <a:spLocks noGrp="1"/>
+          </p:cNvSpPr>
+          <p:nvPr>
+            <p:ph type="body"/>
+          </p:nvPr>
+        </p:nvSpPr>
+        <p:spPr>
+          <a:xfrm>
+            <a:off x="609480" y="3682080"/>
+            <a:ext cx="5354280" cy="1896840"/>
+          </a:xfrm>
+          <a:prstGeom prst="rect">
+            <a:avLst/>
+          </a:prstGeom>
+        </p:spPr>
+        <p:txBody>
+          <a:bodyPr lIns="0" rIns="0" tIns="0" bIns="0">
+            <a:normAutofit/>
+          </a:bodyPr>
+          <a:p>
+            <a:endParaRPr b="0" lang="en-IN" sz="3200" spc="-1" strike="noStrike">
+              <a:latin typeface="Arial"/>
+            </a:endParaRPr>
+          </a:p>
+        </p:txBody>
+      </p:sp>
+      <p:sp>
+        <p:nvSpPr>
+          <p:cNvPr id="30" name="PlaceHolder 5"/>
+          <p:cNvSpPr>
+            <a:spLocks noGrp="1"/>
+          </p:cNvSpPr>
+          <p:nvPr>
+            <p:ph type="body"/>
+          </p:nvPr>
+        </p:nvSpPr>
+        <p:spPr>
+          <a:xfrm>
+            <a:off x="6231960" y="3682080"/>
+            <a:ext cx="5354280" cy="1896840"/>
+          </a:xfrm>
+          <a:prstGeom prst="rect">
+            <a:avLst/>
+          </a:prstGeom>
+        </p:spPr>
+        <p:txBody>
+          <a:bodyPr lIns="0" rIns="0" tIns="0" bIns="0">
+            <a:normAutofit/>
+          </a:bodyPr>
+          <a:p>
+            <a:endParaRPr b="0" lang="en-IN" sz="3200" spc="-1" strike="noStrike">
+              <a:latin typeface="Arial"/>
             </a:endParaRPr>
           </a:p>
         </p:txBody>
@@ -366,7 +344,7 @@
       </p:grpSpPr>
       <p:sp>
         <p:nvSpPr>
-          <p:cNvPr id="34" name="PlaceHolder 1"/>
+          <p:cNvPr id="31" name="PlaceHolder 1"/>
           <p:cNvSpPr>
             <a:spLocks noGrp="1"/>
           </p:cNvSpPr>
@@ -376,8 +354,8 @@
         </p:nvSpPr>
         <p:spPr>
           <a:xfrm>
-            <a:off x="838080" y="365040"/>
-            <a:ext cx="10515240" cy="1325160"/>
+            <a:off x="609480" y="273600"/>
+            <a:ext cx="10972440" cy="1144800"/>
           </a:xfrm>
           <a:prstGeom prst="rect">
             <a:avLst/>
@@ -388,209 +366,189 @@
             <a:noAutofit/>
           </a:bodyPr>
           <a:p>
-            <a:endParaRPr b="0" lang="en-US" sz="1800" spc="-1" strike="noStrike">
-              <a:solidFill>
-                <a:srgbClr val="000000"/>
-              </a:solidFill>
-              <a:latin typeface="Calibri"/>
-            </a:endParaRPr>
-          </a:p>
-        </p:txBody>
-      </p:sp>
-      <p:sp>
-        <p:nvSpPr>
-          <p:cNvPr id="35" name="PlaceHolder 2"/>
-          <p:cNvSpPr>
-            <a:spLocks noGrp="1"/>
-          </p:cNvSpPr>
-          <p:nvPr>
-            <p:ph type="body"/>
-          </p:nvPr>
-        </p:nvSpPr>
-        <p:spPr>
-          <a:xfrm>
-            <a:off x="838080" y="1825560"/>
-            <a:ext cx="3385800" cy="2075040"/>
-          </a:xfrm>
-          <a:prstGeom prst="rect">
-            <a:avLst/>
-          </a:prstGeom>
-        </p:spPr>
-        <p:txBody>
-          <a:bodyPr lIns="0" rIns="0" tIns="0" bIns="0">
-            <a:normAutofit/>
-          </a:bodyPr>
-          <a:p>
-            <a:endParaRPr b="0" lang="en-US" sz="2800" spc="-1" strike="noStrike">
-              <a:solidFill>
-                <a:srgbClr val="000000"/>
-              </a:solidFill>
-              <a:latin typeface="Calibri"/>
-            </a:endParaRPr>
-          </a:p>
-        </p:txBody>
-      </p:sp>
-      <p:sp>
-        <p:nvSpPr>
-          <p:cNvPr id="36" name="PlaceHolder 3"/>
-          <p:cNvSpPr>
-            <a:spLocks noGrp="1"/>
-          </p:cNvSpPr>
-          <p:nvPr>
-            <p:ph type="body"/>
-          </p:nvPr>
-        </p:nvSpPr>
-        <p:spPr>
-          <a:xfrm>
-            <a:off x="4393440" y="1825560"/>
-            <a:ext cx="3385800" cy="2075040"/>
-          </a:xfrm>
-          <a:prstGeom prst="rect">
-            <a:avLst/>
-          </a:prstGeom>
-        </p:spPr>
-        <p:txBody>
-          <a:bodyPr lIns="0" rIns="0" tIns="0" bIns="0">
-            <a:normAutofit/>
-          </a:bodyPr>
-          <a:p>
-            <a:endParaRPr b="0" lang="en-US" sz="2800" spc="-1" strike="noStrike">
-              <a:solidFill>
-                <a:srgbClr val="000000"/>
-              </a:solidFill>
-              <a:latin typeface="Calibri"/>
-            </a:endParaRPr>
-          </a:p>
-        </p:txBody>
-      </p:sp>
-      <p:sp>
-        <p:nvSpPr>
-          <p:cNvPr id="37" name="PlaceHolder 4"/>
-          <p:cNvSpPr>
-            <a:spLocks noGrp="1"/>
-          </p:cNvSpPr>
-          <p:nvPr>
-            <p:ph type="body"/>
-          </p:nvPr>
-        </p:nvSpPr>
-        <p:spPr>
-          <a:xfrm>
-            <a:off x="7949160" y="1825560"/>
-            <a:ext cx="3385800" cy="2075040"/>
-          </a:xfrm>
-          <a:prstGeom prst="rect">
-            <a:avLst/>
-          </a:prstGeom>
-        </p:spPr>
-        <p:txBody>
-          <a:bodyPr lIns="0" rIns="0" tIns="0" bIns="0">
-            <a:normAutofit/>
-          </a:bodyPr>
-          <a:p>
-            <a:endParaRPr b="0" lang="en-US" sz="2800" spc="-1" strike="noStrike">
-              <a:solidFill>
-                <a:srgbClr val="000000"/>
-              </a:solidFill>
-              <a:latin typeface="Calibri"/>
-            </a:endParaRPr>
-          </a:p>
-        </p:txBody>
-      </p:sp>
-      <p:sp>
-        <p:nvSpPr>
-          <p:cNvPr id="38" name="PlaceHolder 5"/>
-          <p:cNvSpPr>
-            <a:spLocks noGrp="1"/>
-          </p:cNvSpPr>
-          <p:nvPr>
-            <p:ph type="body"/>
-          </p:nvPr>
-        </p:nvSpPr>
-        <p:spPr>
-          <a:xfrm>
-            <a:off x="838080" y="4098240"/>
-            <a:ext cx="3385800" cy="2075040"/>
-          </a:xfrm>
-          <a:prstGeom prst="rect">
-            <a:avLst/>
-          </a:prstGeom>
-        </p:spPr>
-        <p:txBody>
-          <a:bodyPr lIns="0" rIns="0" tIns="0" bIns="0">
-            <a:normAutofit/>
-          </a:bodyPr>
-          <a:p>
-            <a:endParaRPr b="0" lang="en-US" sz="2800" spc="-1" strike="noStrike">
-              <a:solidFill>
-                <a:srgbClr val="000000"/>
-              </a:solidFill>
-              <a:latin typeface="Calibri"/>
-            </a:endParaRPr>
-          </a:p>
-        </p:txBody>
-      </p:sp>
-      <p:sp>
-        <p:nvSpPr>
-          <p:cNvPr id="39" name="PlaceHolder 6"/>
-          <p:cNvSpPr>
-            <a:spLocks noGrp="1"/>
-          </p:cNvSpPr>
-          <p:nvPr>
-            <p:ph type="body"/>
-          </p:nvPr>
-        </p:nvSpPr>
-        <p:spPr>
-          <a:xfrm>
-            <a:off x="4393440" y="4098240"/>
-            <a:ext cx="3385800" cy="2075040"/>
-          </a:xfrm>
-          <a:prstGeom prst="rect">
-            <a:avLst/>
-          </a:prstGeom>
-        </p:spPr>
-        <p:txBody>
-          <a:bodyPr lIns="0" rIns="0" tIns="0" bIns="0">
-            <a:normAutofit/>
-          </a:bodyPr>
-          <a:p>
-            <a:endParaRPr b="0" lang="en-US" sz="2800" spc="-1" strike="noStrike">
-              <a:solidFill>
-                <a:srgbClr val="000000"/>
-              </a:solidFill>
-              <a:latin typeface="Calibri"/>
-            </a:endParaRPr>
-          </a:p>
-        </p:txBody>
-      </p:sp>
-      <p:sp>
-        <p:nvSpPr>
-          <p:cNvPr id="40" name="PlaceHolder 7"/>
-          <p:cNvSpPr>
-            <a:spLocks noGrp="1"/>
-          </p:cNvSpPr>
-          <p:nvPr>
-            <p:ph type="body"/>
-          </p:nvPr>
-        </p:nvSpPr>
-        <p:spPr>
-          <a:xfrm>
-            <a:off x="7949160" y="4098240"/>
-            <a:ext cx="3385800" cy="2075040"/>
-          </a:xfrm>
-          <a:prstGeom prst="rect">
-            <a:avLst/>
-          </a:prstGeom>
-        </p:spPr>
-        <p:txBody>
-          <a:bodyPr lIns="0" rIns="0" tIns="0" bIns="0">
-            <a:normAutofit/>
-          </a:bodyPr>
-          <a:p>
-            <a:endParaRPr b="0" lang="en-US" sz="2800" spc="-1" strike="noStrike">
-              <a:solidFill>
-                <a:srgbClr val="000000"/>
-              </a:solidFill>
-              <a:latin typeface="Calibri"/>
+            <a:pPr algn="ctr"/>
+            <a:endParaRPr b="0" lang="en-IN" sz="4400" spc="-1" strike="noStrike">
+              <a:latin typeface="Arial"/>
+            </a:endParaRPr>
+          </a:p>
+        </p:txBody>
+      </p:sp>
+      <p:sp>
+        <p:nvSpPr>
+          <p:cNvPr id="32" name="PlaceHolder 2"/>
+          <p:cNvSpPr>
+            <a:spLocks noGrp="1"/>
+          </p:cNvSpPr>
+          <p:nvPr>
+            <p:ph type="body"/>
+          </p:nvPr>
+        </p:nvSpPr>
+        <p:spPr>
+          <a:xfrm>
+            <a:off x="609480" y="1604520"/>
+            <a:ext cx="3533040" cy="1896840"/>
+          </a:xfrm>
+          <a:prstGeom prst="rect">
+            <a:avLst/>
+          </a:prstGeom>
+        </p:spPr>
+        <p:txBody>
+          <a:bodyPr lIns="0" rIns="0" tIns="0" bIns="0">
+            <a:normAutofit/>
+          </a:bodyPr>
+          <a:p>
+            <a:endParaRPr b="0" lang="en-IN" sz="3200" spc="-1" strike="noStrike">
+              <a:latin typeface="Arial"/>
+            </a:endParaRPr>
+          </a:p>
+        </p:txBody>
+      </p:sp>
+      <p:sp>
+        <p:nvSpPr>
+          <p:cNvPr id="33" name="PlaceHolder 3"/>
+          <p:cNvSpPr>
+            <a:spLocks noGrp="1"/>
+          </p:cNvSpPr>
+          <p:nvPr>
+            <p:ph type="body"/>
+          </p:nvPr>
+        </p:nvSpPr>
+        <p:spPr>
+          <a:xfrm>
+            <a:off x="4319640" y="1604520"/>
+            <a:ext cx="3533040" cy="1896840"/>
+          </a:xfrm>
+          <a:prstGeom prst="rect">
+            <a:avLst/>
+          </a:prstGeom>
+        </p:spPr>
+        <p:txBody>
+          <a:bodyPr lIns="0" rIns="0" tIns="0" bIns="0">
+            <a:normAutofit/>
+          </a:bodyPr>
+          <a:p>
+            <a:endParaRPr b="0" lang="en-IN" sz="3200" spc="-1" strike="noStrike">
+              <a:latin typeface="Arial"/>
+            </a:endParaRPr>
+          </a:p>
+        </p:txBody>
+      </p:sp>
+      <p:sp>
+        <p:nvSpPr>
+          <p:cNvPr id="34" name="PlaceHolder 4"/>
+          <p:cNvSpPr>
+            <a:spLocks noGrp="1"/>
+          </p:cNvSpPr>
+          <p:nvPr>
+            <p:ph type="body"/>
+          </p:nvPr>
+        </p:nvSpPr>
+        <p:spPr>
+          <a:xfrm>
+            <a:off x="8029800" y="1604520"/>
+            <a:ext cx="3533040" cy="1896840"/>
+          </a:xfrm>
+          <a:prstGeom prst="rect">
+            <a:avLst/>
+          </a:prstGeom>
+        </p:spPr>
+        <p:txBody>
+          <a:bodyPr lIns="0" rIns="0" tIns="0" bIns="0">
+            <a:normAutofit/>
+          </a:bodyPr>
+          <a:p>
+            <a:endParaRPr b="0" lang="en-IN" sz="3200" spc="-1" strike="noStrike">
+              <a:latin typeface="Arial"/>
+            </a:endParaRPr>
+          </a:p>
+        </p:txBody>
+      </p:sp>
+      <p:sp>
+        <p:nvSpPr>
+          <p:cNvPr id="35" name="PlaceHolder 5"/>
+          <p:cNvSpPr>
+            <a:spLocks noGrp="1"/>
+          </p:cNvSpPr>
+          <p:nvPr>
+            <p:ph type="body"/>
+          </p:nvPr>
+        </p:nvSpPr>
+        <p:spPr>
+          <a:xfrm>
+            <a:off x="609480" y="3682080"/>
+            <a:ext cx="3533040" cy="1896840"/>
+          </a:xfrm>
+          <a:prstGeom prst="rect">
+            <a:avLst/>
+          </a:prstGeom>
+        </p:spPr>
+        <p:txBody>
+          <a:bodyPr lIns="0" rIns="0" tIns="0" bIns="0">
+            <a:normAutofit/>
+          </a:bodyPr>
+          <a:p>
+            <a:endParaRPr b="0" lang="en-IN" sz="3200" spc="-1" strike="noStrike">
+              <a:latin typeface="Arial"/>
+            </a:endParaRPr>
+          </a:p>
+        </p:txBody>
+      </p:sp>
+      <p:sp>
+        <p:nvSpPr>
+          <p:cNvPr id="36" name="PlaceHolder 6"/>
+          <p:cNvSpPr>
+            <a:spLocks noGrp="1"/>
+          </p:cNvSpPr>
+          <p:nvPr>
+            <p:ph type="body"/>
+          </p:nvPr>
+        </p:nvSpPr>
+        <p:spPr>
+          <a:xfrm>
+            <a:off x="4319640" y="3682080"/>
+            <a:ext cx="3533040" cy="1896840"/>
+          </a:xfrm>
+          <a:prstGeom prst="rect">
+            <a:avLst/>
+          </a:prstGeom>
+        </p:spPr>
+        <p:txBody>
+          <a:bodyPr lIns="0" rIns="0" tIns="0" bIns="0">
+            <a:normAutofit/>
+          </a:bodyPr>
+          <a:p>
+            <a:endParaRPr b="0" lang="en-IN" sz="3200" spc="-1" strike="noStrike">
+              <a:latin typeface="Arial"/>
+            </a:endParaRPr>
+          </a:p>
+        </p:txBody>
+      </p:sp>
+      <p:sp>
+        <p:nvSpPr>
+          <p:cNvPr id="37" name="PlaceHolder 7"/>
+          <p:cNvSpPr>
+            <a:spLocks noGrp="1"/>
+          </p:cNvSpPr>
+          <p:nvPr>
+            <p:ph type="body"/>
+          </p:nvPr>
+        </p:nvSpPr>
+        <p:spPr>
+          <a:xfrm>
+            <a:off x="8029800" y="3682080"/>
+            <a:ext cx="3533040" cy="1896840"/>
+          </a:xfrm>
+          <a:prstGeom prst="rect">
+            <a:avLst/>
+          </a:prstGeom>
+        </p:spPr>
+        <p:txBody>
+          <a:bodyPr lIns="0" rIns="0" tIns="0" bIns="0">
+            <a:normAutofit/>
+          </a:bodyPr>
+          <a:p>
+            <a:endParaRPr b="0" lang="en-IN" sz="3200" spc="-1" strike="noStrike">
+              <a:latin typeface="Arial"/>
             </a:endParaRPr>
           </a:p>
         </p:txBody>
@@ -641,7 +599,7 @@
       </p:grpSpPr>
       <p:sp>
         <p:nvSpPr>
-          <p:cNvPr id="46" name="PlaceHolder 1"/>
+          <p:cNvPr id="40" name="PlaceHolder 1"/>
           <p:cNvSpPr>
             <a:spLocks noGrp="1"/>
           </p:cNvSpPr>
@@ -651,8 +609,8 @@
         </p:nvSpPr>
         <p:spPr>
           <a:xfrm>
-            <a:off x="838080" y="365040"/>
-            <a:ext cx="10515240" cy="1325160"/>
+            <a:off x="609480" y="273600"/>
+            <a:ext cx="10972440" cy="1144800"/>
           </a:xfrm>
           <a:prstGeom prst="rect">
             <a:avLst/>
@@ -663,18 +621,16 @@
             <a:noAutofit/>
           </a:bodyPr>
           <a:p>
-            <a:endParaRPr b="0" lang="en-US" sz="1800" spc="-1" strike="noStrike">
-              <a:solidFill>
-                <a:srgbClr val="000000"/>
-              </a:solidFill>
-              <a:latin typeface="Calibri"/>
-            </a:endParaRPr>
-          </a:p>
-        </p:txBody>
-      </p:sp>
-      <p:sp>
-        <p:nvSpPr>
-          <p:cNvPr id="47" name="PlaceHolder 2"/>
+            <a:pPr algn="ctr"/>
+            <a:endParaRPr b="0" lang="en-IN" sz="4400" spc="-1" strike="noStrike">
+              <a:latin typeface="Arial"/>
+            </a:endParaRPr>
+          </a:p>
+        </p:txBody>
+      </p:sp>
+      <p:sp>
+        <p:nvSpPr>
+          <p:cNvPr id="41" name="PlaceHolder 2"/>
           <p:cNvSpPr>
             <a:spLocks noGrp="1"/>
           </p:cNvSpPr>
@@ -684,8 +640,8 @@
         </p:nvSpPr>
         <p:spPr>
           <a:xfrm>
-            <a:off x="838080" y="1825560"/>
-            <a:ext cx="10515240" cy="4350960"/>
+            <a:off x="609480" y="1604520"/>
+            <a:ext cx="10972440" cy="3977280"/>
           </a:xfrm>
           <a:prstGeom prst="rect">
             <a:avLst/>
@@ -727,7 +683,7 @@
       </p:grpSpPr>
       <p:sp>
         <p:nvSpPr>
-          <p:cNvPr id="48" name="PlaceHolder 1"/>
+          <p:cNvPr id="42" name="PlaceHolder 1"/>
           <p:cNvSpPr>
             <a:spLocks noGrp="1"/>
           </p:cNvSpPr>
@@ -737,8 +693,8 @@
         </p:nvSpPr>
         <p:spPr>
           <a:xfrm>
-            <a:off x="838080" y="365040"/>
-            <a:ext cx="10515240" cy="1325160"/>
+            <a:off x="609480" y="273600"/>
+            <a:ext cx="10972440" cy="1144800"/>
           </a:xfrm>
           <a:prstGeom prst="rect">
             <a:avLst/>
@@ -749,44 +705,39 @@
             <a:noAutofit/>
           </a:bodyPr>
           <a:p>
-            <a:endParaRPr b="0" lang="en-US" sz="1800" spc="-1" strike="noStrike">
-              <a:solidFill>
-                <a:srgbClr val="000000"/>
-              </a:solidFill>
-              <a:latin typeface="Calibri"/>
-            </a:endParaRPr>
-          </a:p>
-        </p:txBody>
-      </p:sp>
-      <p:sp>
-        <p:nvSpPr>
-          <p:cNvPr id="49" name="PlaceHolder 2"/>
-          <p:cNvSpPr>
-            <a:spLocks noGrp="1"/>
-          </p:cNvSpPr>
-          <p:nvPr>
-            <p:ph type="body"/>
-          </p:nvPr>
-        </p:nvSpPr>
-        <p:spPr>
-          <a:xfrm>
-            <a:off x="838080" y="1825560"/>
-            <a:ext cx="10515240" cy="4350960"/>
-          </a:xfrm>
-          <a:prstGeom prst="rect">
-            <a:avLst/>
-          </a:prstGeom>
-        </p:spPr>
-        <p:txBody>
-          <a:bodyPr lIns="0" rIns="0" tIns="0" bIns="0">
-            <a:normAutofit/>
-          </a:bodyPr>
-          <a:p>
-            <a:endParaRPr b="0" lang="en-US" sz="2800" spc="-1" strike="noStrike">
-              <a:solidFill>
-                <a:srgbClr val="000000"/>
-              </a:solidFill>
-              <a:latin typeface="Calibri"/>
+            <a:pPr algn="ctr"/>
+            <a:endParaRPr b="0" lang="en-IN" sz="4400" spc="-1" strike="noStrike">
+              <a:latin typeface="Arial"/>
+            </a:endParaRPr>
+          </a:p>
+        </p:txBody>
+      </p:sp>
+      <p:sp>
+        <p:nvSpPr>
+          <p:cNvPr id="43" name="PlaceHolder 2"/>
+          <p:cNvSpPr>
+            <a:spLocks noGrp="1"/>
+          </p:cNvSpPr>
+          <p:nvPr>
+            <p:ph type="body"/>
+          </p:nvPr>
+        </p:nvSpPr>
+        <p:spPr>
+          <a:xfrm>
+            <a:off x="609480" y="1604520"/>
+            <a:ext cx="10972440" cy="3977280"/>
+          </a:xfrm>
+          <a:prstGeom prst="rect">
+            <a:avLst/>
+          </a:prstGeom>
+        </p:spPr>
+        <p:txBody>
+          <a:bodyPr lIns="0" rIns="0" tIns="0" bIns="0">
+            <a:normAutofit/>
+          </a:bodyPr>
+          <a:p>
+            <a:endParaRPr b="0" lang="en-IN" sz="3200" spc="-1" strike="noStrike">
+              <a:latin typeface="Arial"/>
             </a:endParaRPr>
           </a:p>
         </p:txBody>
@@ -815,7 +766,7 @@
       </p:grpSpPr>
       <p:sp>
         <p:nvSpPr>
-          <p:cNvPr id="50" name="PlaceHolder 1"/>
+          <p:cNvPr id="44" name="PlaceHolder 1"/>
           <p:cNvSpPr>
             <a:spLocks noGrp="1"/>
           </p:cNvSpPr>
@@ -825,8 +776,8 @@
         </p:nvSpPr>
         <p:spPr>
           <a:xfrm>
-            <a:off x="838080" y="365040"/>
-            <a:ext cx="10515240" cy="1325160"/>
+            <a:off x="609480" y="273600"/>
+            <a:ext cx="10972440" cy="1144800"/>
           </a:xfrm>
           <a:prstGeom prst="rect">
             <a:avLst/>
@@ -837,77 +788,69 @@
             <a:noAutofit/>
           </a:bodyPr>
           <a:p>
-            <a:endParaRPr b="0" lang="en-US" sz="1800" spc="-1" strike="noStrike">
-              <a:solidFill>
-                <a:srgbClr val="000000"/>
-              </a:solidFill>
-              <a:latin typeface="Calibri"/>
-            </a:endParaRPr>
-          </a:p>
-        </p:txBody>
-      </p:sp>
-      <p:sp>
-        <p:nvSpPr>
-          <p:cNvPr id="51" name="PlaceHolder 2"/>
-          <p:cNvSpPr>
-            <a:spLocks noGrp="1"/>
-          </p:cNvSpPr>
-          <p:nvPr>
-            <p:ph type="body"/>
-          </p:nvPr>
-        </p:nvSpPr>
-        <p:spPr>
-          <a:xfrm>
-            <a:off x="838080" y="1825560"/>
-            <a:ext cx="5131080" cy="4350960"/>
-          </a:xfrm>
-          <a:prstGeom prst="rect">
-            <a:avLst/>
-          </a:prstGeom>
-        </p:spPr>
-        <p:txBody>
-          <a:bodyPr lIns="0" rIns="0" tIns="0" bIns="0">
-            <a:normAutofit/>
-          </a:bodyPr>
-          <a:p>
-            <a:endParaRPr b="0" lang="en-US" sz="2800" spc="-1" strike="noStrike">
-              <a:solidFill>
-                <a:srgbClr val="000000"/>
-              </a:solidFill>
-              <a:latin typeface="Calibri"/>
-            </a:endParaRPr>
-          </a:p>
-        </p:txBody>
-      </p:sp>
-      <p:sp>
-        <p:nvSpPr>
-          <p:cNvPr id="52" name="PlaceHolder 3"/>
-          <p:cNvSpPr>
-            <a:spLocks noGrp="1"/>
-          </p:cNvSpPr>
-          <p:nvPr>
-            <p:ph type="body"/>
-          </p:nvPr>
-        </p:nvSpPr>
-        <p:spPr>
-          <a:xfrm>
-            <a:off x="6226200" y="1825560"/>
-            <a:ext cx="5131080" cy="4350960"/>
-          </a:xfrm>
-          <a:prstGeom prst="rect">
-            <a:avLst/>
-          </a:prstGeom>
-        </p:spPr>
-        <p:txBody>
-          <a:bodyPr lIns="0" rIns="0" tIns="0" bIns="0">
-            <a:normAutofit/>
-          </a:bodyPr>
-          <a:p>
-            <a:endParaRPr b="0" lang="en-US" sz="2800" spc="-1" strike="noStrike">
-              <a:solidFill>
-                <a:srgbClr val="000000"/>
-              </a:solidFill>
-              <a:latin typeface="Calibri"/>
+            <a:pPr algn="ctr"/>
+            <a:endParaRPr b="0" lang="en-IN" sz="4400" spc="-1" strike="noStrike">
+              <a:latin typeface="Arial"/>
+            </a:endParaRPr>
+          </a:p>
+        </p:txBody>
+      </p:sp>
+      <p:sp>
+        <p:nvSpPr>
+          <p:cNvPr id="45" name="PlaceHolder 2"/>
+          <p:cNvSpPr>
+            <a:spLocks noGrp="1"/>
+          </p:cNvSpPr>
+          <p:nvPr>
+            <p:ph type="body"/>
+          </p:nvPr>
+        </p:nvSpPr>
+        <p:spPr>
+          <a:xfrm>
+            <a:off x="609480" y="1604520"/>
+            <a:ext cx="5354280" cy="3977280"/>
+          </a:xfrm>
+          <a:prstGeom prst="rect">
+            <a:avLst/>
+          </a:prstGeom>
+        </p:spPr>
+        <p:txBody>
+          <a:bodyPr lIns="0" rIns="0" tIns="0" bIns="0">
+            <a:normAutofit/>
+          </a:bodyPr>
+          <a:p>
+            <a:endParaRPr b="0" lang="en-IN" sz="3200" spc="-1" strike="noStrike">
+              <a:latin typeface="Arial"/>
+            </a:endParaRPr>
+          </a:p>
+        </p:txBody>
+      </p:sp>
+      <p:sp>
+        <p:nvSpPr>
+          <p:cNvPr id="46" name="PlaceHolder 3"/>
+          <p:cNvSpPr>
+            <a:spLocks noGrp="1"/>
+          </p:cNvSpPr>
+          <p:nvPr>
+            <p:ph type="body"/>
+          </p:nvPr>
+        </p:nvSpPr>
+        <p:spPr>
+          <a:xfrm>
+            <a:off x="6231960" y="1604520"/>
+            <a:ext cx="5354280" cy="3977280"/>
+          </a:xfrm>
+          <a:prstGeom prst="rect">
+            <a:avLst/>
+          </a:prstGeom>
+        </p:spPr>
+        <p:txBody>
+          <a:bodyPr lIns="0" rIns="0" tIns="0" bIns="0">
+            <a:normAutofit/>
+          </a:bodyPr>
+          <a:p>
+            <a:endParaRPr b="0" lang="en-IN" sz="3200" spc="-1" strike="noStrike">
+              <a:latin typeface="Arial"/>
             </a:endParaRPr>
           </a:p>
         </p:txBody>
@@ -936,7 +879,7 @@
       </p:grpSpPr>
       <p:sp>
         <p:nvSpPr>
-          <p:cNvPr id="53" name="PlaceHolder 1"/>
+          <p:cNvPr id="47" name="PlaceHolder 1"/>
           <p:cNvSpPr>
             <a:spLocks noGrp="1"/>
           </p:cNvSpPr>
@@ -946,8 +889,8 @@
         </p:nvSpPr>
         <p:spPr>
           <a:xfrm>
-            <a:off x="838080" y="365040"/>
-            <a:ext cx="10515240" cy="1325160"/>
+            <a:off x="609480" y="273600"/>
+            <a:ext cx="10972440" cy="1144800"/>
           </a:xfrm>
           <a:prstGeom prst="rect">
             <a:avLst/>
@@ -958,11 +901,9 @@
             <a:noAutofit/>
           </a:bodyPr>
           <a:p>
-            <a:endParaRPr b="0" lang="en-US" sz="1800" spc="-1" strike="noStrike">
-              <a:solidFill>
-                <a:srgbClr val="000000"/>
-              </a:solidFill>
-              <a:latin typeface="Calibri"/>
+            <a:pPr algn="ctr"/>
+            <a:endParaRPr b="0" lang="en-IN" sz="4400" spc="-1" strike="noStrike">
+              <a:latin typeface="Arial"/>
             </a:endParaRPr>
           </a:p>
         </p:txBody>
@@ -991,7 +932,7 @@
       </p:grpSpPr>
       <p:sp>
         <p:nvSpPr>
-          <p:cNvPr id="54" name="PlaceHolder 1"/>
+          <p:cNvPr id="48" name="PlaceHolder 1"/>
           <p:cNvSpPr>
             <a:spLocks noGrp="1"/>
           </p:cNvSpPr>
@@ -1001,8 +942,8 @@
         </p:nvSpPr>
         <p:spPr>
           <a:xfrm>
-            <a:off x="838080" y="365040"/>
-            <a:ext cx="10515240" cy="6144120"/>
+            <a:off x="609480" y="273600"/>
+            <a:ext cx="10972440" cy="5307840"/>
           </a:xfrm>
           <a:prstGeom prst="rect">
             <a:avLst/>
@@ -1044,7 +985,7 @@
       </p:grpSpPr>
       <p:sp>
         <p:nvSpPr>
-          <p:cNvPr id="55" name="PlaceHolder 1"/>
+          <p:cNvPr id="49" name="PlaceHolder 1"/>
           <p:cNvSpPr>
             <a:spLocks noGrp="1"/>
           </p:cNvSpPr>
@@ -1054,8 +995,8 @@
         </p:nvSpPr>
         <p:spPr>
           <a:xfrm>
-            <a:off x="838080" y="365040"/>
-            <a:ext cx="10515240" cy="1325160"/>
+            <a:off x="609480" y="273600"/>
+            <a:ext cx="10972440" cy="1144800"/>
           </a:xfrm>
           <a:prstGeom prst="rect">
             <a:avLst/>
@@ -1066,110 +1007,99 @@
             <a:noAutofit/>
           </a:bodyPr>
           <a:p>
-            <a:endParaRPr b="0" lang="en-US" sz="1800" spc="-1" strike="noStrike">
-              <a:solidFill>
-                <a:srgbClr val="000000"/>
-              </a:solidFill>
-              <a:latin typeface="Calibri"/>
-            </a:endParaRPr>
-          </a:p>
-        </p:txBody>
-      </p:sp>
-      <p:sp>
-        <p:nvSpPr>
-          <p:cNvPr id="56" name="PlaceHolder 2"/>
-          <p:cNvSpPr>
-            <a:spLocks noGrp="1"/>
-          </p:cNvSpPr>
-          <p:nvPr>
-            <p:ph type="body"/>
-          </p:nvPr>
-        </p:nvSpPr>
-        <p:spPr>
-          <a:xfrm>
-            <a:off x="838080" y="1825560"/>
-            <a:ext cx="5131080" cy="2075040"/>
-          </a:xfrm>
-          <a:prstGeom prst="rect">
-            <a:avLst/>
-          </a:prstGeom>
-        </p:spPr>
-        <p:txBody>
-          <a:bodyPr lIns="0" rIns="0" tIns="0" bIns="0">
-            <a:normAutofit/>
-          </a:bodyPr>
-          <a:p>
-            <a:endParaRPr b="0" lang="en-US" sz="2800" spc="-1" strike="noStrike">
-              <a:solidFill>
-                <a:srgbClr val="000000"/>
-              </a:solidFill>
-              <a:latin typeface="Calibri"/>
-            </a:endParaRPr>
-          </a:p>
-        </p:txBody>
-      </p:sp>
-      <p:sp>
-        <p:nvSpPr>
-          <p:cNvPr id="57" name="PlaceHolder 3"/>
-          <p:cNvSpPr>
-            <a:spLocks noGrp="1"/>
-          </p:cNvSpPr>
-          <p:nvPr>
-            <p:ph type="body"/>
-          </p:nvPr>
-        </p:nvSpPr>
-        <p:spPr>
-          <a:xfrm>
-            <a:off x="6226200" y="1825560"/>
-            <a:ext cx="5131080" cy="4350960"/>
-          </a:xfrm>
-          <a:prstGeom prst="rect">
-            <a:avLst/>
-          </a:prstGeom>
-        </p:spPr>
-        <p:txBody>
-          <a:bodyPr lIns="0" rIns="0" tIns="0" bIns="0">
-            <a:normAutofit/>
-          </a:bodyPr>
-          <a:p>
-            <a:endParaRPr b="0" lang="en-US" sz="2800" spc="-1" strike="noStrike">
-              <a:solidFill>
-                <a:srgbClr val="000000"/>
-              </a:solidFill>
-              <a:latin typeface="Calibri"/>
-            </a:endParaRPr>
-          </a:p>
-        </p:txBody>
-      </p:sp>
-      <p:sp>
-        <p:nvSpPr>
-          <p:cNvPr id="58" name="PlaceHolder 4"/>
-          <p:cNvSpPr>
-            <a:spLocks noGrp="1"/>
-          </p:cNvSpPr>
-          <p:nvPr>
-            <p:ph type="body"/>
-          </p:nvPr>
-        </p:nvSpPr>
-        <p:spPr>
-          <a:xfrm>
-            <a:off x="838080" y="4098240"/>
-            <a:ext cx="5131080" cy="2075040"/>
-          </a:xfrm>
-          <a:prstGeom prst="rect">
-            <a:avLst/>
-          </a:prstGeom>
-        </p:spPr>
-        <p:txBody>
-          <a:bodyPr lIns="0" rIns="0" tIns="0" bIns="0">
-            <a:normAutofit/>
-          </a:bodyPr>
-          <a:p>
-            <a:endParaRPr b="0" lang="en-US" sz="2800" spc="-1" strike="noStrike">
-              <a:solidFill>
-                <a:srgbClr val="000000"/>
-              </a:solidFill>
-              <a:latin typeface="Calibri"/>
+            <a:pPr algn="ctr"/>
+            <a:endParaRPr b="0" lang="en-IN" sz="4400" spc="-1" strike="noStrike">
+              <a:latin typeface="Arial"/>
+            </a:endParaRPr>
+          </a:p>
+        </p:txBody>
+      </p:sp>
+      <p:sp>
+        <p:nvSpPr>
+          <p:cNvPr id="50" name="PlaceHolder 2"/>
+          <p:cNvSpPr>
+            <a:spLocks noGrp="1"/>
+          </p:cNvSpPr>
+          <p:nvPr>
+            <p:ph type="body"/>
+          </p:nvPr>
+        </p:nvSpPr>
+        <p:spPr>
+          <a:xfrm>
+            <a:off x="609480" y="1604520"/>
+            <a:ext cx="5354280" cy="1896840"/>
+          </a:xfrm>
+          <a:prstGeom prst="rect">
+            <a:avLst/>
+          </a:prstGeom>
+        </p:spPr>
+        <p:txBody>
+          <a:bodyPr lIns="0" rIns="0" tIns="0" bIns="0">
+            <a:normAutofit/>
+          </a:bodyPr>
+          <a:p>
+            <a:endParaRPr b="0" lang="en-IN" sz="3200" spc="-1" strike="noStrike">
+              <a:latin typeface="Arial"/>
+            </a:endParaRPr>
+          </a:p>
+        </p:txBody>
+      </p:sp>
+      <p:sp>
+        <p:nvSpPr>
+          <p:cNvPr id="51" name="PlaceHolder 3"/>
+          <p:cNvSpPr>
+            <a:spLocks noGrp="1"/>
+          </p:cNvSpPr>
+          <p:nvPr>
+            <p:ph type="body"/>
+          </p:nvPr>
+        </p:nvSpPr>
+        <p:spPr>
+          <a:xfrm>
+            <a:off x="6231960" y="1604520"/>
+            <a:ext cx="5354280" cy="3977280"/>
+          </a:xfrm>
+          <a:prstGeom prst="rect">
+            <a:avLst/>
+          </a:prstGeom>
+        </p:spPr>
+        <p:txBody>
+          <a:bodyPr lIns="0" rIns="0" tIns="0" bIns="0">
+            <a:normAutofit/>
+          </a:bodyPr>
+          <a:p>
+            <a:endParaRPr b="0" lang="en-IN" sz="3200" spc="-1" strike="noStrike">
+              <a:latin typeface="Arial"/>
+            </a:endParaRPr>
+          </a:p>
+        </p:txBody>
+      </p:sp>
+      <p:sp>
+        <p:nvSpPr>
+          <p:cNvPr id="52" name="PlaceHolder 4"/>
+          <p:cNvSpPr>
+            <a:spLocks noGrp="1"/>
+          </p:cNvSpPr>
+          <p:nvPr>
+            <p:ph type="body"/>
+          </p:nvPr>
+        </p:nvSpPr>
+        <p:spPr>
+          <a:xfrm>
+            <a:off x="609480" y="3682080"/>
+            <a:ext cx="5354280" cy="1896840"/>
+          </a:xfrm>
+          <a:prstGeom prst="rect">
+            <a:avLst/>
+          </a:prstGeom>
+        </p:spPr>
+        <p:txBody>
+          <a:bodyPr lIns="0" rIns="0" tIns="0" bIns="0">
+            <a:normAutofit/>
+          </a:bodyPr>
+          <a:p>
+            <a:endParaRPr b="0" lang="en-IN" sz="3200" spc="-1" strike="noStrike">
+              <a:latin typeface="Arial"/>
             </a:endParaRPr>
           </a:p>
         </p:txBody>
@@ -1198,7 +1128,7 @@
       </p:grpSpPr>
       <p:sp>
         <p:nvSpPr>
-          <p:cNvPr id="5" name="PlaceHolder 1"/>
+          <p:cNvPr id="2" name="PlaceHolder 1"/>
           <p:cNvSpPr>
             <a:spLocks noGrp="1"/>
           </p:cNvSpPr>
@@ -1208,8 +1138,8 @@
         </p:nvSpPr>
         <p:spPr>
           <a:xfrm>
-            <a:off x="838080" y="365040"/>
-            <a:ext cx="10515240" cy="1325160"/>
+            <a:off x="609480" y="273600"/>
+            <a:ext cx="10972440" cy="1144800"/>
           </a:xfrm>
           <a:prstGeom prst="rect">
             <a:avLst/>
@@ -1220,18 +1150,16 @@
             <a:noAutofit/>
           </a:bodyPr>
           <a:p>
-            <a:endParaRPr b="0" lang="en-US" sz="1800" spc="-1" strike="noStrike">
-              <a:solidFill>
-                <a:srgbClr val="000000"/>
-              </a:solidFill>
-              <a:latin typeface="Calibri"/>
-            </a:endParaRPr>
-          </a:p>
-        </p:txBody>
-      </p:sp>
-      <p:sp>
-        <p:nvSpPr>
-          <p:cNvPr id="6" name="PlaceHolder 2"/>
+            <a:pPr algn="ctr"/>
+            <a:endParaRPr b="0" lang="en-IN" sz="4400" spc="-1" strike="noStrike">
+              <a:latin typeface="Arial"/>
+            </a:endParaRPr>
+          </a:p>
+        </p:txBody>
+      </p:sp>
+      <p:sp>
+        <p:nvSpPr>
+          <p:cNvPr id="3" name="PlaceHolder 2"/>
           <p:cNvSpPr>
             <a:spLocks noGrp="1"/>
           </p:cNvSpPr>
@@ -1241,8 +1169,8 @@
         </p:nvSpPr>
         <p:spPr>
           <a:xfrm>
-            <a:off x="838080" y="1825560"/>
-            <a:ext cx="10515240" cy="4350960"/>
+            <a:off x="609480" y="1604520"/>
+            <a:ext cx="10972440" cy="3977280"/>
           </a:xfrm>
           <a:prstGeom prst="rect">
             <a:avLst/>
@@ -1284,7 +1212,7 @@
       </p:grpSpPr>
       <p:sp>
         <p:nvSpPr>
-          <p:cNvPr id="59" name="PlaceHolder 1"/>
+          <p:cNvPr id="53" name="PlaceHolder 1"/>
           <p:cNvSpPr>
             <a:spLocks noGrp="1"/>
           </p:cNvSpPr>
@@ -1294,8 +1222,8 @@
         </p:nvSpPr>
         <p:spPr>
           <a:xfrm>
-            <a:off x="838080" y="365040"/>
-            <a:ext cx="10515240" cy="1325160"/>
+            <a:off x="609480" y="273600"/>
+            <a:ext cx="10972440" cy="1144800"/>
           </a:xfrm>
           <a:prstGeom prst="rect">
             <a:avLst/>
@@ -1306,110 +1234,99 @@
             <a:noAutofit/>
           </a:bodyPr>
           <a:p>
-            <a:endParaRPr b="0" lang="en-US" sz="1800" spc="-1" strike="noStrike">
-              <a:solidFill>
-                <a:srgbClr val="000000"/>
-              </a:solidFill>
-              <a:latin typeface="Calibri"/>
-            </a:endParaRPr>
-          </a:p>
-        </p:txBody>
-      </p:sp>
-      <p:sp>
-        <p:nvSpPr>
-          <p:cNvPr id="60" name="PlaceHolder 2"/>
-          <p:cNvSpPr>
-            <a:spLocks noGrp="1"/>
-          </p:cNvSpPr>
-          <p:nvPr>
-            <p:ph type="body"/>
-          </p:nvPr>
-        </p:nvSpPr>
-        <p:spPr>
-          <a:xfrm>
-            <a:off x="838080" y="1825560"/>
-            <a:ext cx="5131080" cy="4350960"/>
-          </a:xfrm>
-          <a:prstGeom prst="rect">
-            <a:avLst/>
-          </a:prstGeom>
-        </p:spPr>
-        <p:txBody>
-          <a:bodyPr lIns="0" rIns="0" tIns="0" bIns="0">
-            <a:normAutofit/>
-          </a:bodyPr>
-          <a:p>
-            <a:endParaRPr b="0" lang="en-US" sz="2800" spc="-1" strike="noStrike">
-              <a:solidFill>
-                <a:srgbClr val="000000"/>
-              </a:solidFill>
-              <a:latin typeface="Calibri"/>
-            </a:endParaRPr>
-          </a:p>
-        </p:txBody>
-      </p:sp>
-      <p:sp>
-        <p:nvSpPr>
-          <p:cNvPr id="61" name="PlaceHolder 3"/>
-          <p:cNvSpPr>
-            <a:spLocks noGrp="1"/>
-          </p:cNvSpPr>
-          <p:nvPr>
-            <p:ph type="body"/>
-          </p:nvPr>
-        </p:nvSpPr>
-        <p:spPr>
-          <a:xfrm>
-            <a:off x="6226200" y="1825560"/>
-            <a:ext cx="5131080" cy="2075040"/>
-          </a:xfrm>
-          <a:prstGeom prst="rect">
-            <a:avLst/>
-          </a:prstGeom>
-        </p:spPr>
-        <p:txBody>
-          <a:bodyPr lIns="0" rIns="0" tIns="0" bIns="0">
-            <a:normAutofit/>
-          </a:bodyPr>
-          <a:p>
-            <a:endParaRPr b="0" lang="en-US" sz="2800" spc="-1" strike="noStrike">
-              <a:solidFill>
-                <a:srgbClr val="000000"/>
-              </a:solidFill>
-              <a:latin typeface="Calibri"/>
-            </a:endParaRPr>
-          </a:p>
-        </p:txBody>
-      </p:sp>
-      <p:sp>
-        <p:nvSpPr>
-          <p:cNvPr id="62" name="PlaceHolder 4"/>
-          <p:cNvSpPr>
-            <a:spLocks noGrp="1"/>
-          </p:cNvSpPr>
-          <p:nvPr>
-            <p:ph type="body"/>
-          </p:nvPr>
-        </p:nvSpPr>
-        <p:spPr>
-          <a:xfrm>
-            <a:off x="6226200" y="4098240"/>
-            <a:ext cx="5131080" cy="2075040"/>
-          </a:xfrm>
-          <a:prstGeom prst="rect">
-            <a:avLst/>
-          </a:prstGeom>
-        </p:spPr>
-        <p:txBody>
-          <a:bodyPr lIns="0" rIns="0" tIns="0" bIns="0">
-            <a:normAutofit/>
-          </a:bodyPr>
-          <a:p>
-            <a:endParaRPr b="0" lang="en-US" sz="2800" spc="-1" strike="noStrike">
-              <a:solidFill>
-                <a:srgbClr val="000000"/>
-              </a:solidFill>
-              <a:latin typeface="Calibri"/>
+            <a:pPr algn="ctr"/>
+            <a:endParaRPr b="0" lang="en-IN" sz="4400" spc="-1" strike="noStrike">
+              <a:latin typeface="Arial"/>
+            </a:endParaRPr>
+          </a:p>
+        </p:txBody>
+      </p:sp>
+      <p:sp>
+        <p:nvSpPr>
+          <p:cNvPr id="54" name="PlaceHolder 2"/>
+          <p:cNvSpPr>
+            <a:spLocks noGrp="1"/>
+          </p:cNvSpPr>
+          <p:nvPr>
+            <p:ph type="body"/>
+          </p:nvPr>
+        </p:nvSpPr>
+        <p:spPr>
+          <a:xfrm>
+            <a:off x="609480" y="1604520"/>
+            <a:ext cx="5354280" cy="3977280"/>
+          </a:xfrm>
+          <a:prstGeom prst="rect">
+            <a:avLst/>
+          </a:prstGeom>
+        </p:spPr>
+        <p:txBody>
+          <a:bodyPr lIns="0" rIns="0" tIns="0" bIns="0">
+            <a:normAutofit/>
+          </a:bodyPr>
+          <a:p>
+            <a:endParaRPr b="0" lang="en-IN" sz="3200" spc="-1" strike="noStrike">
+              <a:latin typeface="Arial"/>
+            </a:endParaRPr>
+          </a:p>
+        </p:txBody>
+      </p:sp>
+      <p:sp>
+        <p:nvSpPr>
+          <p:cNvPr id="55" name="PlaceHolder 3"/>
+          <p:cNvSpPr>
+            <a:spLocks noGrp="1"/>
+          </p:cNvSpPr>
+          <p:nvPr>
+            <p:ph type="body"/>
+          </p:nvPr>
+        </p:nvSpPr>
+        <p:spPr>
+          <a:xfrm>
+            <a:off x="6231960" y="1604520"/>
+            <a:ext cx="5354280" cy="1896840"/>
+          </a:xfrm>
+          <a:prstGeom prst="rect">
+            <a:avLst/>
+          </a:prstGeom>
+        </p:spPr>
+        <p:txBody>
+          <a:bodyPr lIns="0" rIns="0" tIns="0" bIns="0">
+            <a:normAutofit/>
+          </a:bodyPr>
+          <a:p>
+            <a:endParaRPr b="0" lang="en-IN" sz="3200" spc="-1" strike="noStrike">
+              <a:latin typeface="Arial"/>
+            </a:endParaRPr>
+          </a:p>
+        </p:txBody>
+      </p:sp>
+      <p:sp>
+        <p:nvSpPr>
+          <p:cNvPr id="56" name="PlaceHolder 4"/>
+          <p:cNvSpPr>
+            <a:spLocks noGrp="1"/>
+          </p:cNvSpPr>
+          <p:nvPr>
+            <p:ph type="body"/>
+          </p:nvPr>
+        </p:nvSpPr>
+        <p:spPr>
+          <a:xfrm>
+            <a:off x="6231960" y="3682080"/>
+            <a:ext cx="5354280" cy="1896840"/>
+          </a:xfrm>
+          <a:prstGeom prst="rect">
+            <a:avLst/>
+          </a:prstGeom>
+        </p:spPr>
+        <p:txBody>
+          <a:bodyPr lIns="0" rIns="0" tIns="0" bIns="0">
+            <a:normAutofit/>
+          </a:bodyPr>
+          <a:p>
+            <a:endParaRPr b="0" lang="en-IN" sz="3200" spc="-1" strike="noStrike">
+              <a:latin typeface="Arial"/>
             </a:endParaRPr>
           </a:p>
         </p:txBody>
@@ -1438,7 +1355,7 @@
       </p:grpSpPr>
       <p:sp>
         <p:nvSpPr>
-          <p:cNvPr id="63" name="PlaceHolder 1"/>
+          <p:cNvPr id="57" name="PlaceHolder 1"/>
           <p:cNvSpPr>
             <a:spLocks noGrp="1"/>
           </p:cNvSpPr>
@@ -1448,8 +1365,8 @@
         </p:nvSpPr>
         <p:spPr>
           <a:xfrm>
-            <a:off x="838080" y="365040"/>
-            <a:ext cx="10515240" cy="1325160"/>
+            <a:off x="609480" y="273600"/>
+            <a:ext cx="10972440" cy="1144800"/>
           </a:xfrm>
           <a:prstGeom prst="rect">
             <a:avLst/>
@@ -1460,110 +1377,99 @@
             <a:noAutofit/>
           </a:bodyPr>
           <a:p>
-            <a:endParaRPr b="0" lang="en-US" sz="1800" spc="-1" strike="noStrike">
-              <a:solidFill>
-                <a:srgbClr val="000000"/>
-              </a:solidFill>
-              <a:latin typeface="Calibri"/>
-            </a:endParaRPr>
-          </a:p>
-        </p:txBody>
-      </p:sp>
-      <p:sp>
-        <p:nvSpPr>
-          <p:cNvPr id="64" name="PlaceHolder 2"/>
-          <p:cNvSpPr>
-            <a:spLocks noGrp="1"/>
-          </p:cNvSpPr>
-          <p:nvPr>
-            <p:ph type="body"/>
-          </p:nvPr>
-        </p:nvSpPr>
-        <p:spPr>
-          <a:xfrm>
-            <a:off x="838080" y="1825560"/>
-            <a:ext cx="5131080" cy="2075040"/>
-          </a:xfrm>
-          <a:prstGeom prst="rect">
-            <a:avLst/>
-          </a:prstGeom>
-        </p:spPr>
-        <p:txBody>
-          <a:bodyPr lIns="0" rIns="0" tIns="0" bIns="0">
-            <a:normAutofit/>
-          </a:bodyPr>
-          <a:p>
-            <a:endParaRPr b="0" lang="en-US" sz="2800" spc="-1" strike="noStrike">
-              <a:solidFill>
-                <a:srgbClr val="000000"/>
-              </a:solidFill>
-              <a:latin typeface="Calibri"/>
-            </a:endParaRPr>
-          </a:p>
-        </p:txBody>
-      </p:sp>
-      <p:sp>
-        <p:nvSpPr>
-          <p:cNvPr id="65" name="PlaceHolder 3"/>
-          <p:cNvSpPr>
-            <a:spLocks noGrp="1"/>
-          </p:cNvSpPr>
-          <p:nvPr>
-            <p:ph type="body"/>
-          </p:nvPr>
-        </p:nvSpPr>
-        <p:spPr>
-          <a:xfrm>
-            <a:off x="6226200" y="1825560"/>
-            <a:ext cx="5131080" cy="2075040"/>
-          </a:xfrm>
-          <a:prstGeom prst="rect">
-            <a:avLst/>
-          </a:prstGeom>
-        </p:spPr>
-        <p:txBody>
-          <a:bodyPr lIns="0" rIns="0" tIns="0" bIns="0">
-            <a:normAutofit/>
-          </a:bodyPr>
-          <a:p>
-            <a:endParaRPr b="0" lang="en-US" sz="2800" spc="-1" strike="noStrike">
-              <a:solidFill>
-                <a:srgbClr val="000000"/>
-              </a:solidFill>
-              <a:latin typeface="Calibri"/>
-            </a:endParaRPr>
-          </a:p>
-        </p:txBody>
-      </p:sp>
-      <p:sp>
-        <p:nvSpPr>
-          <p:cNvPr id="66" name="PlaceHolder 4"/>
-          <p:cNvSpPr>
-            <a:spLocks noGrp="1"/>
-          </p:cNvSpPr>
-          <p:nvPr>
-            <p:ph type="body"/>
-          </p:nvPr>
-        </p:nvSpPr>
-        <p:spPr>
-          <a:xfrm>
-            <a:off x="838080" y="4098240"/>
-            <a:ext cx="10515240" cy="2075040"/>
-          </a:xfrm>
-          <a:prstGeom prst="rect">
-            <a:avLst/>
-          </a:prstGeom>
-        </p:spPr>
-        <p:txBody>
-          <a:bodyPr lIns="0" rIns="0" tIns="0" bIns="0">
-            <a:normAutofit/>
-          </a:bodyPr>
-          <a:p>
-            <a:endParaRPr b="0" lang="en-US" sz="2800" spc="-1" strike="noStrike">
-              <a:solidFill>
-                <a:srgbClr val="000000"/>
-              </a:solidFill>
-              <a:latin typeface="Calibri"/>
+            <a:pPr algn="ctr"/>
+            <a:endParaRPr b="0" lang="en-IN" sz="4400" spc="-1" strike="noStrike">
+              <a:latin typeface="Arial"/>
+            </a:endParaRPr>
+          </a:p>
+        </p:txBody>
+      </p:sp>
+      <p:sp>
+        <p:nvSpPr>
+          <p:cNvPr id="58" name="PlaceHolder 2"/>
+          <p:cNvSpPr>
+            <a:spLocks noGrp="1"/>
+          </p:cNvSpPr>
+          <p:nvPr>
+            <p:ph type="body"/>
+          </p:nvPr>
+        </p:nvSpPr>
+        <p:spPr>
+          <a:xfrm>
+            <a:off x="609480" y="1604520"/>
+            <a:ext cx="5354280" cy="1896840"/>
+          </a:xfrm>
+          <a:prstGeom prst="rect">
+            <a:avLst/>
+          </a:prstGeom>
+        </p:spPr>
+        <p:txBody>
+          <a:bodyPr lIns="0" rIns="0" tIns="0" bIns="0">
+            <a:normAutofit/>
+          </a:bodyPr>
+          <a:p>
+            <a:endParaRPr b="0" lang="en-IN" sz="3200" spc="-1" strike="noStrike">
+              <a:latin typeface="Arial"/>
+            </a:endParaRPr>
+          </a:p>
+        </p:txBody>
+      </p:sp>
+      <p:sp>
+        <p:nvSpPr>
+          <p:cNvPr id="59" name="PlaceHolder 3"/>
+          <p:cNvSpPr>
+            <a:spLocks noGrp="1"/>
+          </p:cNvSpPr>
+          <p:nvPr>
+            <p:ph type="body"/>
+          </p:nvPr>
+        </p:nvSpPr>
+        <p:spPr>
+          <a:xfrm>
+            <a:off x="6231960" y="1604520"/>
+            <a:ext cx="5354280" cy="1896840"/>
+          </a:xfrm>
+          <a:prstGeom prst="rect">
+            <a:avLst/>
+          </a:prstGeom>
+        </p:spPr>
+        <p:txBody>
+          <a:bodyPr lIns="0" rIns="0" tIns="0" bIns="0">
+            <a:normAutofit/>
+          </a:bodyPr>
+          <a:p>
+            <a:endParaRPr b="0" lang="en-IN" sz="3200" spc="-1" strike="noStrike">
+              <a:latin typeface="Arial"/>
+            </a:endParaRPr>
+          </a:p>
+        </p:txBody>
+      </p:sp>
+      <p:sp>
+        <p:nvSpPr>
+          <p:cNvPr id="60" name="PlaceHolder 4"/>
+          <p:cNvSpPr>
+            <a:spLocks noGrp="1"/>
+          </p:cNvSpPr>
+          <p:nvPr>
+            <p:ph type="body"/>
+          </p:nvPr>
+        </p:nvSpPr>
+        <p:spPr>
+          <a:xfrm>
+            <a:off x="609480" y="3682080"/>
+            <a:ext cx="10972440" cy="1896840"/>
+          </a:xfrm>
+          <a:prstGeom prst="rect">
+            <a:avLst/>
+          </a:prstGeom>
+        </p:spPr>
+        <p:txBody>
+          <a:bodyPr lIns="0" rIns="0" tIns="0" bIns="0">
+            <a:normAutofit/>
+          </a:bodyPr>
+          <a:p>
+            <a:endParaRPr b="0" lang="en-IN" sz="3200" spc="-1" strike="noStrike">
+              <a:latin typeface="Arial"/>
             </a:endParaRPr>
           </a:p>
         </p:txBody>
@@ -1592,7 +1498,7 @@
       </p:grpSpPr>
       <p:sp>
         <p:nvSpPr>
-          <p:cNvPr id="67" name="PlaceHolder 1"/>
+          <p:cNvPr id="61" name="PlaceHolder 1"/>
           <p:cNvSpPr>
             <a:spLocks noGrp="1"/>
           </p:cNvSpPr>
@@ -1602,8 +1508,8 @@
         </p:nvSpPr>
         <p:spPr>
           <a:xfrm>
-            <a:off x="838080" y="365040"/>
-            <a:ext cx="10515240" cy="1325160"/>
+            <a:off x="609480" y="273600"/>
+            <a:ext cx="10972440" cy="1144800"/>
           </a:xfrm>
           <a:prstGeom prst="rect">
             <a:avLst/>
@@ -1614,77 +1520,69 @@
             <a:noAutofit/>
           </a:bodyPr>
           <a:p>
-            <a:endParaRPr b="0" lang="en-US" sz="1800" spc="-1" strike="noStrike">
-              <a:solidFill>
-                <a:srgbClr val="000000"/>
-              </a:solidFill>
-              <a:latin typeface="Calibri"/>
-            </a:endParaRPr>
-          </a:p>
-        </p:txBody>
-      </p:sp>
-      <p:sp>
-        <p:nvSpPr>
-          <p:cNvPr id="68" name="PlaceHolder 2"/>
-          <p:cNvSpPr>
-            <a:spLocks noGrp="1"/>
-          </p:cNvSpPr>
-          <p:nvPr>
-            <p:ph type="body"/>
-          </p:nvPr>
-        </p:nvSpPr>
-        <p:spPr>
-          <a:xfrm>
-            <a:off x="838080" y="1825560"/>
-            <a:ext cx="10515240" cy="2075040"/>
-          </a:xfrm>
-          <a:prstGeom prst="rect">
-            <a:avLst/>
-          </a:prstGeom>
-        </p:spPr>
-        <p:txBody>
-          <a:bodyPr lIns="0" rIns="0" tIns="0" bIns="0">
-            <a:normAutofit/>
-          </a:bodyPr>
-          <a:p>
-            <a:endParaRPr b="0" lang="en-US" sz="2800" spc="-1" strike="noStrike">
-              <a:solidFill>
-                <a:srgbClr val="000000"/>
-              </a:solidFill>
-              <a:latin typeface="Calibri"/>
-            </a:endParaRPr>
-          </a:p>
-        </p:txBody>
-      </p:sp>
-      <p:sp>
-        <p:nvSpPr>
-          <p:cNvPr id="69" name="PlaceHolder 3"/>
-          <p:cNvSpPr>
-            <a:spLocks noGrp="1"/>
-          </p:cNvSpPr>
-          <p:nvPr>
-            <p:ph type="body"/>
-          </p:nvPr>
-        </p:nvSpPr>
-        <p:spPr>
-          <a:xfrm>
-            <a:off x="838080" y="4098240"/>
-            <a:ext cx="10515240" cy="2075040"/>
-          </a:xfrm>
-          <a:prstGeom prst="rect">
-            <a:avLst/>
-          </a:prstGeom>
-        </p:spPr>
-        <p:txBody>
-          <a:bodyPr lIns="0" rIns="0" tIns="0" bIns="0">
-            <a:normAutofit/>
-          </a:bodyPr>
-          <a:p>
-            <a:endParaRPr b="0" lang="en-US" sz="2800" spc="-1" strike="noStrike">
-              <a:solidFill>
-                <a:srgbClr val="000000"/>
-              </a:solidFill>
-              <a:latin typeface="Calibri"/>
+            <a:pPr algn="ctr"/>
+            <a:endParaRPr b="0" lang="en-IN" sz="4400" spc="-1" strike="noStrike">
+              <a:latin typeface="Arial"/>
+            </a:endParaRPr>
+          </a:p>
+        </p:txBody>
+      </p:sp>
+      <p:sp>
+        <p:nvSpPr>
+          <p:cNvPr id="62" name="PlaceHolder 2"/>
+          <p:cNvSpPr>
+            <a:spLocks noGrp="1"/>
+          </p:cNvSpPr>
+          <p:nvPr>
+            <p:ph type="body"/>
+          </p:nvPr>
+        </p:nvSpPr>
+        <p:spPr>
+          <a:xfrm>
+            <a:off x="609480" y="1604520"/>
+            <a:ext cx="10972440" cy="1896840"/>
+          </a:xfrm>
+          <a:prstGeom prst="rect">
+            <a:avLst/>
+          </a:prstGeom>
+        </p:spPr>
+        <p:txBody>
+          <a:bodyPr lIns="0" rIns="0" tIns="0" bIns="0">
+            <a:normAutofit/>
+          </a:bodyPr>
+          <a:p>
+            <a:endParaRPr b="0" lang="en-IN" sz="3200" spc="-1" strike="noStrike">
+              <a:latin typeface="Arial"/>
+            </a:endParaRPr>
+          </a:p>
+        </p:txBody>
+      </p:sp>
+      <p:sp>
+        <p:nvSpPr>
+          <p:cNvPr id="63" name="PlaceHolder 3"/>
+          <p:cNvSpPr>
+            <a:spLocks noGrp="1"/>
+          </p:cNvSpPr>
+          <p:nvPr>
+            <p:ph type="body"/>
+          </p:nvPr>
+        </p:nvSpPr>
+        <p:spPr>
+          <a:xfrm>
+            <a:off x="609480" y="3682080"/>
+            <a:ext cx="10972440" cy="1896840"/>
+          </a:xfrm>
+          <a:prstGeom prst="rect">
+            <a:avLst/>
+          </a:prstGeom>
+        </p:spPr>
+        <p:txBody>
+          <a:bodyPr lIns="0" rIns="0" tIns="0" bIns="0">
+            <a:normAutofit/>
+          </a:bodyPr>
+          <a:p>
+            <a:endParaRPr b="0" lang="en-IN" sz="3200" spc="-1" strike="noStrike">
+              <a:latin typeface="Arial"/>
             </a:endParaRPr>
           </a:p>
         </p:txBody>
@@ -1713,7 +1611,7 @@
       </p:grpSpPr>
       <p:sp>
         <p:nvSpPr>
-          <p:cNvPr id="70" name="PlaceHolder 1"/>
+          <p:cNvPr id="64" name="PlaceHolder 1"/>
           <p:cNvSpPr>
             <a:spLocks noGrp="1"/>
           </p:cNvSpPr>
@@ -1723,8 +1621,8 @@
         </p:nvSpPr>
         <p:spPr>
           <a:xfrm>
-            <a:off x="838080" y="365040"/>
-            <a:ext cx="10515240" cy="1325160"/>
+            <a:off x="609480" y="273600"/>
+            <a:ext cx="10972440" cy="1144800"/>
           </a:xfrm>
           <a:prstGeom prst="rect">
             <a:avLst/>
@@ -1735,143 +1633,129 @@
             <a:noAutofit/>
           </a:bodyPr>
           <a:p>
-            <a:endParaRPr b="0" lang="en-US" sz="1800" spc="-1" strike="noStrike">
-              <a:solidFill>
-                <a:srgbClr val="000000"/>
-              </a:solidFill>
-              <a:latin typeface="Calibri"/>
-            </a:endParaRPr>
-          </a:p>
-        </p:txBody>
-      </p:sp>
-      <p:sp>
-        <p:nvSpPr>
-          <p:cNvPr id="71" name="PlaceHolder 2"/>
-          <p:cNvSpPr>
-            <a:spLocks noGrp="1"/>
-          </p:cNvSpPr>
-          <p:nvPr>
-            <p:ph type="body"/>
-          </p:nvPr>
-        </p:nvSpPr>
-        <p:spPr>
-          <a:xfrm>
-            <a:off x="838080" y="1825560"/>
-            <a:ext cx="5131080" cy="2075040"/>
-          </a:xfrm>
-          <a:prstGeom prst="rect">
-            <a:avLst/>
-          </a:prstGeom>
-        </p:spPr>
-        <p:txBody>
-          <a:bodyPr lIns="0" rIns="0" tIns="0" bIns="0">
-            <a:normAutofit/>
-          </a:bodyPr>
-          <a:p>
-            <a:endParaRPr b="0" lang="en-US" sz="2800" spc="-1" strike="noStrike">
-              <a:solidFill>
-                <a:srgbClr val="000000"/>
-              </a:solidFill>
-              <a:latin typeface="Calibri"/>
-            </a:endParaRPr>
-          </a:p>
-        </p:txBody>
-      </p:sp>
-      <p:sp>
-        <p:nvSpPr>
-          <p:cNvPr id="72" name="PlaceHolder 3"/>
-          <p:cNvSpPr>
-            <a:spLocks noGrp="1"/>
-          </p:cNvSpPr>
-          <p:nvPr>
-            <p:ph type="body"/>
-          </p:nvPr>
-        </p:nvSpPr>
-        <p:spPr>
-          <a:xfrm>
-            <a:off x="6226200" y="1825560"/>
-            <a:ext cx="5131080" cy="2075040"/>
-          </a:xfrm>
-          <a:prstGeom prst="rect">
-            <a:avLst/>
-          </a:prstGeom>
-        </p:spPr>
-        <p:txBody>
-          <a:bodyPr lIns="0" rIns="0" tIns="0" bIns="0">
-            <a:normAutofit/>
-          </a:bodyPr>
-          <a:p>
-            <a:endParaRPr b="0" lang="en-US" sz="2800" spc="-1" strike="noStrike">
-              <a:solidFill>
-                <a:srgbClr val="000000"/>
-              </a:solidFill>
-              <a:latin typeface="Calibri"/>
-            </a:endParaRPr>
-          </a:p>
-        </p:txBody>
-      </p:sp>
-      <p:sp>
-        <p:nvSpPr>
-          <p:cNvPr id="73" name="PlaceHolder 4"/>
-          <p:cNvSpPr>
-            <a:spLocks noGrp="1"/>
-          </p:cNvSpPr>
-          <p:nvPr>
-            <p:ph type="body"/>
-          </p:nvPr>
-        </p:nvSpPr>
-        <p:spPr>
-          <a:xfrm>
-            <a:off x="838080" y="4098240"/>
-            <a:ext cx="5131080" cy="2075040"/>
-          </a:xfrm>
-          <a:prstGeom prst="rect">
-            <a:avLst/>
-          </a:prstGeom>
-        </p:spPr>
-        <p:txBody>
-          <a:bodyPr lIns="0" rIns="0" tIns="0" bIns="0">
-            <a:normAutofit/>
-          </a:bodyPr>
-          <a:p>
-            <a:endParaRPr b="0" lang="en-US" sz="2800" spc="-1" strike="noStrike">
-              <a:solidFill>
-                <a:srgbClr val="000000"/>
-              </a:solidFill>
-              <a:latin typeface="Calibri"/>
-            </a:endParaRPr>
-          </a:p>
-        </p:txBody>
-      </p:sp>
-      <p:sp>
-        <p:nvSpPr>
-          <p:cNvPr id="74" name="PlaceHolder 5"/>
-          <p:cNvSpPr>
-            <a:spLocks noGrp="1"/>
-          </p:cNvSpPr>
-          <p:nvPr>
-            <p:ph type="body"/>
-          </p:nvPr>
-        </p:nvSpPr>
-        <p:spPr>
-          <a:xfrm>
-            <a:off x="6226200" y="4098240"/>
-            <a:ext cx="5131080" cy="2075040"/>
-          </a:xfrm>
-          <a:prstGeom prst="rect">
-            <a:avLst/>
-          </a:prstGeom>
-        </p:spPr>
-        <p:txBody>
-          <a:bodyPr lIns="0" rIns="0" tIns="0" bIns="0">
-            <a:normAutofit/>
-          </a:bodyPr>
-          <a:p>
-            <a:endParaRPr b="0" lang="en-US" sz="2800" spc="-1" strike="noStrike">
-              <a:solidFill>
-                <a:srgbClr val="000000"/>
-              </a:solidFill>
-              <a:latin typeface="Calibri"/>
+            <a:pPr algn="ctr"/>
+            <a:endParaRPr b="0" lang="en-IN" sz="4400" spc="-1" strike="noStrike">
+              <a:latin typeface="Arial"/>
+            </a:endParaRPr>
+          </a:p>
+        </p:txBody>
+      </p:sp>
+      <p:sp>
+        <p:nvSpPr>
+          <p:cNvPr id="65" name="PlaceHolder 2"/>
+          <p:cNvSpPr>
+            <a:spLocks noGrp="1"/>
+          </p:cNvSpPr>
+          <p:nvPr>
+            <p:ph type="body"/>
+          </p:nvPr>
+        </p:nvSpPr>
+        <p:spPr>
+          <a:xfrm>
+            <a:off x="609480" y="1604520"/>
+            <a:ext cx="5354280" cy="1896840"/>
+          </a:xfrm>
+          <a:prstGeom prst="rect">
+            <a:avLst/>
+          </a:prstGeom>
+        </p:spPr>
+        <p:txBody>
+          <a:bodyPr lIns="0" rIns="0" tIns="0" bIns="0">
+            <a:normAutofit/>
+          </a:bodyPr>
+          <a:p>
+            <a:endParaRPr b="0" lang="en-IN" sz="3200" spc="-1" strike="noStrike">
+              <a:latin typeface="Arial"/>
+            </a:endParaRPr>
+          </a:p>
+        </p:txBody>
+      </p:sp>
+      <p:sp>
+        <p:nvSpPr>
+          <p:cNvPr id="66" name="PlaceHolder 3"/>
+          <p:cNvSpPr>
+            <a:spLocks noGrp="1"/>
+          </p:cNvSpPr>
+          <p:nvPr>
+            <p:ph type="body"/>
+          </p:nvPr>
+        </p:nvSpPr>
+        <p:spPr>
+          <a:xfrm>
+            <a:off x="6231960" y="1604520"/>
+            <a:ext cx="5354280" cy="1896840"/>
+          </a:xfrm>
+          <a:prstGeom prst="rect">
+            <a:avLst/>
+          </a:prstGeom>
+        </p:spPr>
+        <p:txBody>
+          <a:bodyPr lIns="0" rIns="0" tIns="0" bIns="0">
+            <a:normAutofit/>
+          </a:bodyPr>
+          <a:p>
+            <a:endParaRPr b="0" lang="en-IN" sz="3200" spc="-1" strike="noStrike">
+              <a:latin typeface="Arial"/>
+            </a:endParaRPr>
+          </a:p>
+        </p:txBody>
+      </p:sp>
+      <p:sp>
+        <p:nvSpPr>
+          <p:cNvPr id="67" name="PlaceHolder 4"/>
+          <p:cNvSpPr>
+            <a:spLocks noGrp="1"/>
+          </p:cNvSpPr>
+          <p:nvPr>
+            <p:ph type="body"/>
+          </p:nvPr>
+        </p:nvSpPr>
+        <p:spPr>
+          <a:xfrm>
+            <a:off x="609480" y="3682080"/>
+            <a:ext cx="5354280" cy="1896840"/>
+          </a:xfrm>
+          <a:prstGeom prst="rect">
+            <a:avLst/>
+          </a:prstGeom>
+        </p:spPr>
+        <p:txBody>
+          <a:bodyPr lIns="0" rIns="0" tIns="0" bIns="0">
+            <a:normAutofit/>
+          </a:bodyPr>
+          <a:p>
+            <a:endParaRPr b="0" lang="en-IN" sz="3200" spc="-1" strike="noStrike">
+              <a:latin typeface="Arial"/>
+            </a:endParaRPr>
+          </a:p>
+        </p:txBody>
+      </p:sp>
+      <p:sp>
+        <p:nvSpPr>
+          <p:cNvPr id="68" name="PlaceHolder 5"/>
+          <p:cNvSpPr>
+            <a:spLocks noGrp="1"/>
+          </p:cNvSpPr>
+          <p:nvPr>
+            <p:ph type="body"/>
+          </p:nvPr>
+        </p:nvSpPr>
+        <p:spPr>
+          <a:xfrm>
+            <a:off x="6231960" y="3682080"/>
+            <a:ext cx="5354280" cy="1896840"/>
+          </a:xfrm>
+          <a:prstGeom prst="rect">
+            <a:avLst/>
+          </a:prstGeom>
+        </p:spPr>
+        <p:txBody>
+          <a:bodyPr lIns="0" rIns="0" tIns="0" bIns="0">
+            <a:normAutofit/>
+          </a:bodyPr>
+          <a:p>
+            <a:endParaRPr b="0" lang="en-IN" sz="3200" spc="-1" strike="noStrike">
+              <a:latin typeface="Arial"/>
             </a:endParaRPr>
           </a:p>
         </p:txBody>
@@ -1900,7 +1784,7 @@
       </p:grpSpPr>
       <p:sp>
         <p:nvSpPr>
-          <p:cNvPr id="75" name="PlaceHolder 1"/>
+          <p:cNvPr id="69" name="PlaceHolder 1"/>
           <p:cNvSpPr>
             <a:spLocks noGrp="1"/>
           </p:cNvSpPr>
@@ -1910,8 +1794,8 @@
         </p:nvSpPr>
         <p:spPr>
           <a:xfrm>
-            <a:off x="838080" y="365040"/>
-            <a:ext cx="10515240" cy="1325160"/>
+            <a:off x="609480" y="273600"/>
+            <a:ext cx="10972440" cy="1144800"/>
           </a:xfrm>
           <a:prstGeom prst="rect">
             <a:avLst/>
@@ -1922,209 +1806,189 @@
             <a:noAutofit/>
           </a:bodyPr>
           <a:p>
-            <a:endParaRPr b="0" lang="en-US" sz="1800" spc="-1" strike="noStrike">
-              <a:solidFill>
-                <a:srgbClr val="000000"/>
-              </a:solidFill>
-              <a:latin typeface="Calibri"/>
-            </a:endParaRPr>
-          </a:p>
-        </p:txBody>
-      </p:sp>
-      <p:sp>
-        <p:nvSpPr>
-          <p:cNvPr id="76" name="PlaceHolder 2"/>
-          <p:cNvSpPr>
-            <a:spLocks noGrp="1"/>
-          </p:cNvSpPr>
-          <p:nvPr>
-            <p:ph type="body"/>
-          </p:nvPr>
-        </p:nvSpPr>
-        <p:spPr>
-          <a:xfrm>
-            <a:off x="838080" y="1825560"/>
-            <a:ext cx="3385800" cy="2075040"/>
-          </a:xfrm>
-          <a:prstGeom prst="rect">
-            <a:avLst/>
-          </a:prstGeom>
-        </p:spPr>
-        <p:txBody>
-          <a:bodyPr lIns="0" rIns="0" tIns="0" bIns="0">
-            <a:normAutofit/>
-          </a:bodyPr>
-          <a:p>
-            <a:endParaRPr b="0" lang="en-US" sz="2800" spc="-1" strike="noStrike">
-              <a:solidFill>
-                <a:srgbClr val="000000"/>
-              </a:solidFill>
-              <a:latin typeface="Calibri"/>
-            </a:endParaRPr>
-          </a:p>
-        </p:txBody>
-      </p:sp>
-      <p:sp>
-        <p:nvSpPr>
-          <p:cNvPr id="77" name="PlaceHolder 3"/>
-          <p:cNvSpPr>
-            <a:spLocks noGrp="1"/>
-          </p:cNvSpPr>
-          <p:nvPr>
-            <p:ph type="body"/>
-          </p:nvPr>
-        </p:nvSpPr>
-        <p:spPr>
-          <a:xfrm>
-            <a:off x="4393440" y="1825560"/>
-            <a:ext cx="3385800" cy="2075040"/>
-          </a:xfrm>
-          <a:prstGeom prst="rect">
-            <a:avLst/>
-          </a:prstGeom>
-        </p:spPr>
-        <p:txBody>
-          <a:bodyPr lIns="0" rIns="0" tIns="0" bIns="0">
-            <a:normAutofit/>
-          </a:bodyPr>
-          <a:p>
-            <a:endParaRPr b="0" lang="en-US" sz="2800" spc="-1" strike="noStrike">
-              <a:solidFill>
-                <a:srgbClr val="000000"/>
-              </a:solidFill>
-              <a:latin typeface="Calibri"/>
-            </a:endParaRPr>
-          </a:p>
-        </p:txBody>
-      </p:sp>
-      <p:sp>
-        <p:nvSpPr>
-          <p:cNvPr id="78" name="PlaceHolder 4"/>
-          <p:cNvSpPr>
-            <a:spLocks noGrp="1"/>
-          </p:cNvSpPr>
-          <p:nvPr>
-            <p:ph type="body"/>
-          </p:nvPr>
-        </p:nvSpPr>
-        <p:spPr>
-          <a:xfrm>
-            <a:off x="7949160" y="1825560"/>
-            <a:ext cx="3385800" cy="2075040"/>
-          </a:xfrm>
-          <a:prstGeom prst="rect">
-            <a:avLst/>
-          </a:prstGeom>
-        </p:spPr>
-        <p:txBody>
-          <a:bodyPr lIns="0" rIns="0" tIns="0" bIns="0">
-            <a:normAutofit/>
-          </a:bodyPr>
-          <a:p>
-            <a:endParaRPr b="0" lang="en-US" sz="2800" spc="-1" strike="noStrike">
-              <a:solidFill>
-                <a:srgbClr val="000000"/>
-              </a:solidFill>
-              <a:latin typeface="Calibri"/>
-            </a:endParaRPr>
-          </a:p>
-        </p:txBody>
-      </p:sp>
-      <p:sp>
-        <p:nvSpPr>
-          <p:cNvPr id="79" name="PlaceHolder 5"/>
-          <p:cNvSpPr>
-            <a:spLocks noGrp="1"/>
-          </p:cNvSpPr>
-          <p:nvPr>
-            <p:ph type="body"/>
-          </p:nvPr>
-        </p:nvSpPr>
-        <p:spPr>
-          <a:xfrm>
-            <a:off x="838080" y="4098240"/>
-            <a:ext cx="3385800" cy="2075040"/>
-          </a:xfrm>
-          <a:prstGeom prst="rect">
-            <a:avLst/>
-          </a:prstGeom>
-        </p:spPr>
-        <p:txBody>
-          <a:bodyPr lIns="0" rIns="0" tIns="0" bIns="0">
-            <a:normAutofit/>
-          </a:bodyPr>
-          <a:p>
-            <a:endParaRPr b="0" lang="en-US" sz="2800" spc="-1" strike="noStrike">
-              <a:solidFill>
-                <a:srgbClr val="000000"/>
-              </a:solidFill>
-              <a:latin typeface="Calibri"/>
-            </a:endParaRPr>
-          </a:p>
-        </p:txBody>
-      </p:sp>
-      <p:sp>
-        <p:nvSpPr>
-          <p:cNvPr id="80" name="PlaceHolder 6"/>
-          <p:cNvSpPr>
-            <a:spLocks noGrp="1"/>
-          </p:cNvSpPr>
-          <p:nvPr>
-            <p:ph type="body"/>
-          </p:nvPr>
-        </p:nvSpPr>
-        <p:spPr>
-          <a:xfrm>
-            <a:off x="4393440" y="4098240"/>
-            <a:ext cx="3385800" cy="2075040"/>
-          </a:xfrm>
-          <a:prstGeom prst="rect">
-            <a:avLst/>
-          </a:prstGeom>
-        </p:spPr>
-        <p:txBody>
-          <a:bodyPr lIns="0" rIns="0" tIns="0" bIns="0">
-            <a:normAutofit/>
-          </a:bodyPr>
-          <a:p>
-            <a:endParaRPr b="0" lang="en-US" sz="2800" spc="-1" strike="noStrike">
-              <a:solidFill>
-                <a:srgbClr val="000000"/>
-              </a:solidFill>
-              <a:latin typeface="Calibri"/>
-            </a:endParaRPr>
-          </a:p>
-        </p:txBody>
-      </p:sp>
-      <p:sp>
-        <p:nvSpPr>
-          <p:cNvPr id="81" name="PlaceHolder 7"/>
-          <p:cNvSpPr>
-            <a:spLocks noGrp="1"/>
-          </p:cNvSpPr>
-          <p:nvPr>
-            <p:ph type="body"/>
-          </p:nvPr>
-        </p:nvSpPr>
-        <p:spPr>
-          <a:xfrm>
-            <a:off x="7949160" y="4098240"/>
-            <a:ext cx="3385800" cy="2075040"/>
-          </a:xfrm>
-          <a:prstGeom prst="rect">
-            <a:avLst/>
-          </a:prstGeom>
-        </p:spPr>
-        <p:txBody>
-          <a:bodyPr lIns="0" rIns="0" tIns="0" bIns="0">
-            <a:normAutofit/>
-          </a:bodyPr>
-          <a:p>
-            <a:endParaRPr b="0" lang="en-US" sz="2800" spc="-1" strike="noStrike">
-              <a:solidFill>
-                <a:srgbClr val="000000"/>
-              </a:solidFill>
-              <a:latin typeface="Calibri"/>
+            <a:pPr algn="ctr"/>
+            <a:endParaRPr b="0" lang="en-IN" sz="4400" spc="-1" strike="noStrike">
+              <a:latin typeface="Arial"/>
+            </a:endParaRPr>
+          </a:p>
+        </p:txBody>
+      </p:sp>
+      <p:sp>
+        <p:nvSpPr>
+          <p:cNvPr id="70" name="PlaceHolder 2"/>
+          <p:cNvSpPr>
+            <a:spLocks noGrp="1"/>
+          </p:cNvSpPr>
+          <p:nvPr>
+            <p:ph type="body"/>
+          </p:nvPr>
+        </p:nvSpPr>
+        <p:spPr>
+          <a:xfrm>
+            <a:off x="609480" y="1604520"/>
+            <a:ext cx="3533040" cy="1896840"/>
+          </a:xfrm>
+          <a:prstGeom prst="rect">
+            <a:avLst/>
+          </a:prstGeom>
+        </p:spPr>
+        <p:txBody>
+          <a:bodyPr lIns="0" rIns="0" tIns="0" bIns="0">
+            <a:normAutofit/>
+          </a:bodyPr>
+          <a:p>
+            <a:endParaRPr b="0" lang="en-IN" sz="3200" spc="-1" strike="noStrike">
+              <a:latin typeface="Arial"/>
+            </a:endParaRPr>
+          </a:p>
+        </p:txBody>
+      </p:sp>
+      <p:sp>
+        <p:nvSpPr>
+          <p:cNvPr id="71" name="PlaceHolder 3"/>
+          <p:cNvSpPr>
+            <a:spLocks noGrp="1"/>
+          </p:cNvSpPr>
+          <p:nvPr>
+            <p:ph type="body"/>
+          </p:nvPr>
+        </p:nvSpPr>
+        <p:spPr>
+          <a:xfrm>
+            <a:off x="4319640" y="1604520"/>
+            <a:ext cx="3533040" cy="1896840"/>
+          </a:xfrm>
+          <a:prstGeom prst="rect">
+            <a:avLst/>
+          </a:prstGeom>
+        </p:spPr>
+        <p:txBody>
+          <a:bodyPr lIns="0" rIns="0" tIns="0" bIns="0">
+            <a:normAutofit/>
+          </a:bodyPr>
+          <a:p>
+            <a:endParaRPr b="0" lang="en-IN" sz="3200" spc="-1" strike="noStrike">
+              <a:latin typeface="Arial"/>
+            </a:endParaRPr>
+          </a:p>
+        </p:txBody>
+      </p:sp>
+      <p:sp>
+        <p:nvSpPr>
+          <p:cNvPr id="72" name="PlaceHolder 4"/>
+          <p:cNvSpPr>
+            <a:spLocks noGrp="1"/>
+          </p:cNvSpPr>
+          <p:nvPr>
+            <p:ph type="body"/>
+          </p:nvPr>
+        </p:nvSpPr>
+        <p:spPr>
+          <a:xfrm>
+            <a:off x="8029800" y="1604520"/>
+            <a:ext cx="3533040" cy="1896840"/>
+          </a:xfrm>
+          <a:prstGeom prst="rect">
+            <a:avLst/>
+          </a:prstGeom>
+        </p:spPr>
+        <p:txBody>
+          <a:bodyPr lIns="0" rIns="0" tIns="0" bIns="0">
+            <a:normAutofit/>
+          </a:bodyPr>
+          <a:p>
+            <a:endParaRPr b="0" lang="en-IN" sz="3200" spc="-1" strike="noStrike">
+              <a:latin typeface="Arial"/>
+            </a:endParaRPr>
+          </a:p>
+        </p:txBody>
+      </p:sp>
+      <p:sp>
+        <p:nvSpPr>
+          <p:cNvPr id="73" name="PlaceHolder 5"/>
+          <p:cNvSpPr>
+            <a:spLocks noGrp="1"/>
+          </p:cNvSpPr>
+          <p:nvPr>
+            <p:ph type="body"/>
+          </p:nvPr>
+        </p:nvSpPr>
+        <p:spPr>
+          <a:xfrm>
+            <a:off x="609480" y="3682080"/>
+            <a:ext cx="3533040" cy="1896840"/>
+          </a:xfrm>
+          <a:prstGeom prst="rect">
+            <a:avLst/>
+          </a:prstGeom>
+        </p:spPr>
+        <p:txBody>
+          <a:bodyPr lIns="0" rIns="0" tIns="0" bIns="0">
+            <a:normAutofit/>
+          </a:bodyPr>
+          <a:p>
+            <a:endParaRPr b="0" lang="en-IN" sz="3200" spc="-1" strike="noStrike">
+              <a:latin typeface="Arial"/>
+            </a:endParaRPr>
+          </a:p>
+        </p:txBody>
+      </p:sp>
+      <p:sp>
+        <p:nvSpPr>
+          <p:cNvPr id="74" name="PlaceHolder 6"/>
+          <p:cNvSpPr>
+            <a:spLocks noGrp="1"/>
+          </p:cNvSpPr>
+          <p:nvPr>
+            <p:ph type="body"/>
+          </p:nvPr>
+        </p:nvSpPr>
+        <p:spPr>
+          <a:xfrm>
+            <a:off x="4319640" y="3682080"/>
+            <a:ext cx="3533040" cy="1896840"/>
+          </a:xfrm>
+          <a:prstGeom prst="rect">
+            <a:avLst/>
+          </a:prstGeom>
+        </p:spPr>
+        <p:txBody>
+          <a:bodyPr lIns="0" rIns="0" tIns="0" bIns="0">
+            <a:normAutofit/>
+          </a:bodyPr>
+          <a:p>
+            <a:endParaRPr b="0" lang="en-IN" sz="3200" spc="-1" strike="noStrike">
+              <a:latin typeface="Arial"/>
+            </a:endParaRPr>
+          </a:p>
+        </p:txBody>
+      </p:sp>
+      <p:sp>
+        <p:nvSpPr>
+          <p:cNvPr id="75" name="PlaceHolder 7"/>
+          <p:cNvSpPr>
+            <a:spLocks noGrp="1"/>
+          </p:cNvSpPr>
+          <p:nvPr>
+            <p:ph type="body"/>
+          </p:nvPr>
+        </p:nvSpPr>
+        <p:spPr>
+          <a:xfrm>
+            <a:off x="8029800" y="3682080"/>
+            <a:ext cx="3533040" cy="1896840"/>
+          </a:xfrm>
+          <a:prstGeom prst="rect">
+            <a:avLst/>
+          </a:prstGeom>
+        </p:spPr>
+        <p:txBody>
+          <a:bodyPr lIns="0" rIns="0" tIns="0" bIns="0">
+            <a:normAutofit/>
+          </a:bodyPr>
+          <a:p>
+            <a:endParaRPr b="0" lang="en-IN" sz="3200" spc="-1" strike="noStrike">
+              <a:latin typeface="Arial"/>
             </a:endParaRPr>
           </a:p>
         </p:txBody>
@@ -2153,7 +2017,7 @@
       </p:grpSpPr>
       <p:sp>
         <p:nvSpPr>
-          <p:cNvPr id="7" name="PlaceHolder 1"/>
+          <p:cNvPr id="4" name="PlaceHolder 1"/>
           <p:cNvSpPr>
             <a:spLocks noGrp="1"/>
           </p:cNvSpPr>
@@ -2163,8 +2027,8 @@
         </p:nvSpPr>
         <p:spPr>
           <a:xfrm>
-            <a:off x="838080" y="365040"/>
-            <a:ext cx="10515240" cy="1325160"/>
+            <a:off x="609480" y="273600"/>
+            <a:ext cx="10972440" cy="1144800"/>
           </a:xfrm>
           <a:prstGeom prst="rect">
             <a:avLst/>
@@ -2175,44 +2039,39 @@
             <a:noAutofit/>
           </a:bodyPr>
           <a:p>
-            <a:endParaRPr b="0" lang="en-US" sz="1800" spc="-1" strike="noStrike">
-              <a:solidFill>
-                <a:srgbClr val="000000"/>
-              </a:solidFill>
-              <a:latin typeface="Calibri"/>
-            </a:endParaRPr>
-          </a:p>
-        </p:txBody>
-      </p:sp>
-      <p:sp>
-        <p:nvSpPr>
-          <p:cNvPr id="8" name="PlaceHolder 2"/>
-          <p:cNvSpPr>
-            <a:spLocks noGrp="1"/>
-          </p:cNvSpPr>
-          <p:nvPr>
-            <p:ph type="body"/>
-          </p:nvPr>
-        </p:nvSpPr>
-        <p:spPr>
-          <a:xfrm>
-            <a:off x="838080" y="1825560"/>
-            <a:ext cx="10515240" cy="4350960"/>
-          </a:xfrm>
-          <a:prstGeom prst="rect">
-            <a:avLst/>
-          </a:prstGeom>
-        </p:spPr>
-        <p:txBody>
-          <a:bodyPr lIns="0" rIns="0" tIns="0" bIns="0">
-            <a:normAutofit/>
-          </a:bodyPr>
-          <a:p>
-            <a:endParaRPr b="0" lang="en-US" sz="2800" spc="-1" strike="noStrike">
-              <a:solidFill>
-                <a:srgbClr val="000000"/>
-              </a:solidFill>
-              <a:latin typeface="Calibri"/>
+            <a:pPr algn="ctr"/>
+            <a:endParaRPr b="0" lang="en-IN" sz="4400" spc="-1" strike="noStrike">
+              <a:latin typeface="Arial"/>
+            </a:endParaRPr>
+          </a:p>
+        </p:txBody>
+      </p:sp>
+      <p:sp>
+        <p:nvSpPr>
+          <p:cNvPr id="5" name="PlaceHolder 2"/>
+          <p:cNvSpPr>
+            <a:spLocks noGrp="1"/>
+          </p:cNvSpPr>
+          <p:nvPr>
+            <p:ph type="body"/>
+          </p:nvPr>
+        </p:nvSpPr>
+        <p:spPr>
+          <a:xfrm>
+            <a:off x="609480" y="1604520"/>
+            <a:ext cx="10972440" cy="3977280"/>
+          </a:xfrm>
+          <a:prstGeom prst="rect">
+            <a:avLst/>
+          </a:prstGeom>
+        </p:spPr>
+        <p:txBody>
+          <a:bodyPr lIns="0" rIns="0" tIns="0" bIns="0">
+            <a:normAutofit/>
+          </a:bodyPr>
+          <a:p>
+            <a:endParaRPr b="0" lang="en-IN" sz="3200" spc="-1" strike="noStrike">
+              <a:latin typeface="Arial"/>
             </a:endParaRPr>
           </a:p>
         </p:txBody>
@@ -2241,7 +2100,7 @@
       </p:grpSpPr>
       <p:sp>
         <p:nvSpPr>
-          <p:cNvPr id="9" name="PlaceHolder 1"/>
+          <p:cNvPr id="6" name="PlaceHolder 1"/>
           <p:cNvSpPr>
             <a:spLocks noGrp="1"/>
           </p:cNvSpPr>
@@ -2251,8 +2110,8 @@
         </p:nvSpPr>
         <p:spPr>
           <a:xfrm>
-            <a:off x="838080" y="365040"/>
-            <a:ext cx="10515240" cy="1325160"/>
+            <a:off x="609480" y="273600"/>
+            <a:ext cx="10972440" cy="1144800"/>
           </a:xfrm>
           <a:prstGeom prst="rect">
             <a:avLst/>
@@ -2263,77 +2122,69 @@
             <a:noAutofit/>
           </a:bodyPr>
           <a:p>
-            <a:endParaRPr b="0" lang="en-US" sz="1800" spc="-1" strike="noStrike">
-              <a:solidFill>
-                <a:srgbClr val="000000"/>
-              </a:solidFill>
-              <a:latin typeface="Calibri"/>
-            </a:endParaRPr>
-          </a:p>
-        </p:txBody>
-      </p:sp>
-      <p:sp>
-        <p:nvSpPr>
-          <p:cNvPr id="10" name="PlaceHolder 2"/>
-          <p:cNvSpPr>
-            <a:spLocks noGrp="1"/>
-          </p:cNvSpPr>
-          <p:nvPr>
-            <p:ph type="body"/>
-          </p:nvPr>
-        </p:nvSpPr>
-        <p:spPr>
-          <a:xfrm>
-            <a:off x="838080" y="1825560"/>
-            <a:ext cx="5131080" cy="4350960"/>
-          </a:xfrm>
-          <a:prstGeom prst="rect">
-            <a:avLst/>
-          </a:prstGeom>
-        </p:spPr>
-        <p:txBody>
-          <a:bodyPr lIns="0" rIns="0" tIns="0" bIns="0">
-            <a:normAutofit/>
-          </a:bodyPr>
-          <a:p>
-            <a:endParaRPr b="0" lang="en-US" sz="2800" spc="-1" strike="noStrike">
-              <a:solidFill>
-                <a:srgbClr val="000000"/>
-              </a:solidFill>
-              <a:latin typeface="Calibri"/>
-            </a:endParaRPr>
-          </a:p>
-        </p:txBody>
-      </p:sp>
-      <p:sp>
-        <p:nvSpPr>
-          <p:cNvPr id="11" name="PlaceHolder 3"/>
-          <p:cNvSpPr>
-            <a:spLocks noGrp="1"/>
-          </p:cNvSpPr>
-          <p:nvPr>
-            <p:ph type="body"/>
-          </p:nvPr>
-        </p:nvSpPr>
-        <p:spPr>
-          <a:xfrm>
-            <a:off x="6226200" y="1825560"/>
-            <a:ext cx="5131080" cy="4350960"/>
-          </a:xfrm>
-          <a:prstGeom prst="rect">
-            <a:avLst/>
-          </a:prstGeom>
-        </p:spPr>
-        <p:txBody>
-          <a:bodyPr lIns="0" rIns="0" tIns="0" bIns="0">
-            <a:normAutofit/>
-          </a:bodyPr>
-          <a:p>
-            <a:endParaRPr b="0" lang="en-US" sz="2800" spc="-1" strike="noStrike">
-              <a:solidFill>
-                <a:srgbClr val="000000"/>
-              </a:solidFill>
-              <a:latin typeface="Calibri"/>
+            <a:pPr algn="ctr"/>
+            <a:endParaRPr b="0" lang="en-IN" sz="4400" spc="-1" strike="noStrike">
+              <a:latin typeface="Arial"/>
+            </a:endParaRPr>
+          </a:p>
+        </p:txBody>
+      </p:sp>
+      <p:sp>
+        <p:nvSpPr>
+          <p:cNvPr id="7" name="PlaceHolder 2"/>
+          <p:cNvSpPr>
+            <a:spLocks noGrp="1"/>
+          </p:cNvSpPr>
+          <p:nvPr>
+            <p:ph type="body"/>
+          </p:nvPr>
+        </p:nvSpPr>
+        <p:spPr>
+          <a:xfrm>
+            <a:off x="609480" y="1604520"/>
+            <a:ext cx="5354280" cy="3977280"/>
+          </a:xfrm>
+          <a:prstGeom prst="rect">
+            <a:avLst/>
+          </a:prstGeom>
+        </p:spPr>
+        <p:txBody>
+          <a:bodyPr lIns="0" rIns="0" tIns="0" bIns="0">
+            <a:normAutofit/>
+          </a:bodyPr>
+          <a:p>
+            <a:endParaRPr b="0" lang="en-IN" sz="3200" spc="-1" strike="noStrike">
+              <a:latin typeface="Arial"/>
+            </a:endParaRPr>
+          </a:p>
+        </p:txBody>
+      </p:sp>
+      <p:sp>
+        <p:nvSpPr>
+          <p:cNvPr id="8" name="PlaceHolder 3"/>
+          <p:cNvSpPr>
+            <a:spLocks noGrp="1"/>
+          </p:cNvSpPr>
+          <p:nvPr>
+            <p:ph type="body"/>
+          </p:nvPr>
+        </p:nvSpPr>
+        <p:spPr>
+          <a:xfrm>
+            <a:off x="6231960" y="1604520"/>
+            <a:ext cx="5354280" cy="3977280"/>
+          </a:xfrm>
+          <a:prstGeom prst="rect">
+            <a:avLst/>
+          </a:prstGeom>
+        </p:spPr>
+        <p:txBody>
+          <a:bodyPr lIns="0" rIns="0" tIns="0" bIns="0">
+            <a:normAutofit/>
+          </a:bodyPr>
+          <a:p>
+            <a:endParaRPr b="0" lang="en-IN" sz="3200" spc="-1" strike="noStrike">
+              <a:latin typeface="Arial"/>
             </a:endParaRPr>
           </a:p>
         </p:txBody>
@@ -2362,7 +2213,7 @@
       </p:grpSpPr>
       <p:sp>
         <p:nvSpPr>
-          <p:cNvPr id="12" name="PlaceHolder 1"/>
+          <p:cNvPr id="9" name="PlaceHolder 1"/>
           <p:cNvSpPr>
             <a:spLocks noGrp="1"/>
           </p:cNvSpPr>
@@ -2372,8 +2223,8 @@
         </p:nvSpPr>
         <p:spPr>
           <a:xfrm>
-            <a:off x="838080" y="365040"/>
-            <a:ext cx="10515240" cy="1325160"/>
+            <a:off x="609480" y="273600"/>
+            <a:ext cx="10972440" cy="1144800"/>
           </a:xfrm>
           <a:prstGeom prst="rect">
             <a:avLst/>
@@ -2384,11 +2235,9 @@
             <a:noAutofit/>
           </a:bodyPr>
           <a:p>
-            <a:endParaRPr b="0" lang="en-US" sz="1800" spc="-1" strike="noStrike">
-              <a:solidFill>
-                <a:srgbClr val="000000"/>
-              </a:solidFill>
-              <a:latin typeface="Calibri"/>
+            <a:pPr algn="ctr"/>
+            <a:endParaRPr b="0" lang="en-IN" sz="4400" spc="-1" strike="noStrike">
+              <a:latin typeface="Arial"/>
             </a:endParaRPr>
           </a:p>
         </p:txBody>
@@ -2417,7 +2266,7 @@
       </p:grpSpPr>
       <p:sp>
         <p:nvSpPr>
-          <p:cNvPr id="13" name="PlaceHolder 1"/>
+          <p:cNvPr id="10" name="PlaceHolder 1"/>
           <p:cNvSpPr>
             <a:spLocks noGrp="1"/>
           </p:cNvSpPr>
@@ -2427,8 +2276,8 @@
         </p:nvSpPr>
         <p:spPr>
           <a:xfrm>
-            <a:off x="838080" y="365040"/>
-            <a:ext cx="10515240" cy="6144120"/>
+            <a:off x="609480" y="273600"/>
+            <a:ext cx="10972440" cy="5307840"/>
           </a:xfrm>
           <a:prstGeom prst="rect">
             <a:avLst/>
@@ -2470,7 +2319,7 @@
       </p:grpSpPr>
       <p:sp>
         <p:nvSpPr>
-          <p:cNvPr id="14" name="PlaceHolder 1"/>
+          <p:cNvPr id="11" name="PlaceHolder 1"/>
           <p:cNvSpPr>
             <a:spLocks noGrp="1"/>
           </p:cNvSpPr>
@@ -2480,8 +2329,8 @@
         </p:nvSpPr>
         <p:spPr>
           <a:xfrm>
-            <a:off x="838080" y="365040"/>
-            <a:ext cx="10515240" cy="1325160"/>
+            <a:off x="609480" y="273600"/>
+            <a:ext cx="10972440" cy="1144800"/>
           </a:xfrm>
           <a:prstGeom prst="rect">
             <a:avLst/>
@@ -2492,110 +2341,99 @@
             <a:noAutofit/>
           </a:bodyPr>
           <a:p>
-            <a:endParaRPr b="0" lang="en-US" sz="1800" spc="-1" strike="noStrike">
-              <a:solidFill>
-                <a:srgbClr val="000000"/>
-              </a:solidFill>
-              <a:latin typeface="Calibri"/>
-            </a:endParaRPr>
-          </a:p>
-        </p:txBody>
-      </p:sp>
-      <p:sp>
-        <p:nvSpPr>
-          <p:cNvPr id="15" name="PlaceHolder 2"/>
-          <p:cNvSpPr>
-            <a:spLocks noGrp="1"/>
-          </p:cNvSpPr>
-          <p:nvPr>
-            <p:ph type="body"/>
-          </p:nvPr>
-        </p:nvSpPr>
-        <p:spPr>
-          <a:xfrm>
-            <a:off x="838080" y="1825560"/>
-            <a:ext cx="5131080" cy="2075040"/>
-          </a:xfrm>
-          <a:prstGeom prst="rect">
-            <a:avLst/>
-          </a:prstGeom>
-        </p:spPr>
-        <p:txBody>
-          <a:bodyPr lIns="0" rIns="0" tIns="0" bIns="0">
-            <a:normAutofit/>
-          </a:bodyPr>
-          <a:p>
-            <a:endParaRPr b="0" lang="en-US" sz="2800" spc="-1" strike="noStrike">
-              <a:solidFill>
-                <a:srgbClr val="000000"/>
-              </a:solidFill>
-              <a:latin typeface="Calibri"/>
-            </a:endParaRPr>
-          </a:p>
-        </p:txBody>
-      </p:sp>
-      <p:sp>
-        <p:nvSpPr>
-          <p:cNvPr id="16" name="PlaceHolder 3"/>
-          <p:cNvSpPr>
-            <a:spLocks noGrp="1"/>
-          </p:cNvSpPr>
-          <p:nvPr>
-            <p:ph type="body"/>
-          </p:nvPr>
-        </p:nvSpPr>
-        <p:spPr>
-          <a:xfrm>
-            <a:off x="6226200" y="1825560"/>
-            <a:ext cx="5131080" cy="4350960"/>
-          </a:xfrm>
-          <a:prstGeom prst="rect">
-            <a:avLst/>
-          </a:prstGeom>
-        </p:spPr>
-        <p:txBody>
-          <a:bodyPr lIns="0" rIns="0" tIns="0" bIns="0">
-            <a:normAutofit/>
-          </a:bodyPr>
-          <a:p>
-            <a:endParaRPr b="0" lang="en-US" sz="2800" spc="-1" strike="noStrike">
-              <a:solidFill>
-                <a:srgbClr val="000000"/>
-              </a:solidFill>
-              <a:latin typeface="Calibri"/>
-            </a:endParaRPr>
-          </a:p>
-        </p:txBody>
-      </p:sp>
-      <p:sp>
-        <p:nvSpPr>
-          <p:cNvPr id="17" name="PlaceHolder 4"/>
-          <p:cNvSpPr>
-            <a:spLocks noGrp="1"/>
-          </p:cNvSpPr>
-          <p:nvPr>
-            <p:ph type="body"/>
-          </p:nvPr>
-        </p:nvSpPr>
-        <p:spPr>
-          <a:xfrm>
-            <a:off x="838080" y="4098240"/>
-            <a:ext cx="5131080" cy="2075040"/>
-          </a:xfrm>
-          <a:prstGeom prst="rect">
-            <a:avLst/>
-          </a:prstGeom>
-        </p:spPr>
-        <p:txBody>
-          <a:bodyPr lIns="0" rIns="0" tIns="0" bIns="0">
-            <a:normAutofit/>
-          </a:bodyPr>
-          <a:p>
-            <a:endParaRPr b="0" lang="en-US" sz="2800" spc="-1" strike="noStrike">
-              <a:solidFill>
-                <a:srgbClr val="000000"/>
-              </a:solidFill>
-              <a:latin typeface="Calibri"/>
+            <a:pPr algn="ctr"/>
+            <a:endParaRPr b="0" lang="en-IN" sz="4400" spc="-1" strike="noStrike">
+              <a:latin typeface="Arial"/>
+            </a:endParaRPr>
+          </a:p>
+        </p:txBody>
+      </p:sp>
+      <p:sp>
+        <p:nvSpPr>
+          <p:cNvPr id="12" name="PlaceHolder 2"/>
+          <p:cNvSpPr>
+            <a:spLocks noGrp="1"/>
+          </p:cNvSpPr>
+          <p:nvPr>
+            <p:ph type="body"/>
+          </p:nvPr>
+        </p:nvSpPr>
+        <p:spPr>
+          <a:xfrm>
+            <a:off x="609480" y="1604520"/>
+            <a:ext cx="5354280" cy="1896840"/>
+          </a:xfrm>
+          <a:prstGeom prst="rect">
+            <a:avLst/>
+          </a:prstGeom>
+        </p:spPr>
+        <p:txBody>
+          <a:bodyPr lIns="0" rIns="0" tIns="0" bIns="0">
+            <a:normAutofit/>
+          </a:bodyPr>
+          <a:p>
+            <a:endParaRPr b="0" lang="en-IN" sz="3200" spc="-1" strike="noStrike">
+              <a:latin typeface="Arial"/>
+            </a:endParaRPr>
+          </a:p>
+        </p:txBody>
+      </p:sp>
+      <p:sp>
+        <p:nvSpPr>
+          <p:cNvPr id="13" name="PlaceHolder 3"/>
+          <p:cNvSpPr>
+            <a:spLocks noGrp="1"/>
+          </p:cNvSpPr>
+          <p:nvPr>
+            <p:ph type="body"/>
+          </p:nvPr>
+        </p:nvSpPr>
+        <p:spPr>
+          <a:xfrm>
+            <a:off x="6231960" y="1604520"/>
+            <a:ext cx="5354280" cy="3977280"/>
+          </a:xfrm>
+          <a:prstGeom prst="rect">
+            <a:avLst/>
+          </a:prstGeom>
+        </p:spPr>
+        <p:txBody>
+          <a:bodyPr lIns="0" rIns="0" tIns="0" bIns="0">
+            <a:normAutofit/>
+          </a:bodyPr>
+          <a:p>
+            <a:endParaRPr b="0" lang="en-IN" sz="3200" spc="-1" strike="noStrike">
+              <a:latin typeface="Arial"/>
+            </a:endParaRPr>
+          </a:p>
+        </p:txBody>
+      </p:sp>
+      <p:sp>
+        <p:nvSpPr>
+          <p:cNvPr id="14" name="PlaceHolder 4"/>
+          <p:cNvSpPr>
+            <a:spLocks noGrp="1"/>
+          </p:cNvSpPr>
+          <p:nvPr>
+            <p:ph type="body"/>
+          </p:nvPr>
+        </p:nvSpPr>
+        <p:spPr>
+          <a:xfrm>
+            <a:off x="609480" y="3682080"/>
+            <a:ext cx="5354280" cy="1896840"/>
+          </a:xfrm>
+          <a:prstGeom prst="rect">
+            <a:avLst/>
+          </a:prstGeom>
+        </p:spPr>
+        <p:txBody>
+          <a:bodyPr lIns="0" rIns="0" tIns="0" bIns="0">
+            <a:normAutofit/>
+          </a:bodyPr>
+          <a:p>
+            <a:endParaRPr b="0" lang="en-IN" sz="3200" spc="-1" strike="noStrike">
+              <a:latin typeface="Arial"/>
             </a:endParaRPr>
           </a:p>
         </p:txBody>
@@ -2624,7 +2462,7 @@
       </p:grpSpPr>
       <p:sp>
         <p:nvSpPr>
-          <p:cNvPr id="18" name="PlaceHolder 1"/>
+          <p:cNvPr id="15" name="PlaceHolder 1"/>
           <p:cNvSpPr>
             <a:spLocks noGrp="1"/>
           </p:cNvSpPr>
@@ -2634,8 +2472,8 @@
         </p:nvSpPr>
         <p:spPr>
           <a:xfrm>
-            <a:off x="838080" y="365040"/>
-            <a:ext cx="10515240" cy="1325160"/>
+            <a:off x="609480" y="273600"/>
+            <a:ext cx="10972440" cy="1144800"/>
           </a:xfrm>
           <a:prstGeom prst="rect">
             <a:avLst/>
@@ -2646,110 +2484,99 @@
             <a:noAutofit/>
           </a:bodyPr>
           <a:p>
-            <a:endParaRPr b="0" lang="en-US" sz="1800" spc="-1" strike="noStrike">
-              <a:solidFill>
-                <a:srgbClr val="000000"/>
-              </a:solidFill>
-              <a:latin typeface="Calibri"/>
-            </a:endParaRPr>
-          </a:p>
-        </p:txBody>
-      </p:sp>
-      <p:sp>
-        <p:nvSpPr>
-          <p:cNvPr id="19" name="PlaceHolder 2"/>
-          <p:cNvSpPr>
-            <a:spLocks noGrp="1"/>
-          </p:cNvSpPr>
-          <p:nvPr>
-            <p:ph type="body"/>
-          </p:nvPr>
-        </p:nvSpPr>
-        <p:spPr>
-          <a:xfrm>
-            <a:off x="838080" y="1825560"/>
-            <a:ext cx="5131080" cy="4350960"/>
-          </a:xfrm>
-          <a:prstGeom prst="rect">
-            <a:avLst/>
-          </a:prstGeom>
-        </p:spPr>
-        <p:txBody>
-          <a:bodyPr lIns="0" rIns="0" tIns="0" bIns="0">
-            <a:normAutofit/>
-          </a:bodyPr>
-          <a:p>
-            <a:endParaRPr b="0" lang="en-US" sz="2800" spc="-1" strike="noStrike">
-              <a:solidFill>
-                <a:srgbClr val="000000"/>
-              </a:solidFill>
-              <a:latin typeface="Calibri"/>
-            </a:endParaRPr>
-          </a:p>
-        </p:txBody>
-      </p:sp>
-      <p:sp>
-        <p:nvSpPr>
-          <p:cNvPr id="20" name="PlaceHolder 3"/>
-          <p:cNvSpPr>
-            <a:spLocks noGrp="1"/>
-          </p:cNvSpPr>
-          <p:nvPr>
-            <p:ph type="body"/>
-          </p:nvPr>
-        </p:nvSpPr>
-        <p:spPr>
-          <a:xfrm>
-            <a:off x="6226200" y="1825560"/>
-            <a:ext cx="5131080" cy="2075040"/>
-          </a:xfrm>
-          <a:prstGeom prst="rect">
-            <a:avLst/>
-          </a:prstGeom>
-        </p:spPr>
-        <p:txBody>
-          <a:bodyPr lIns="0" rIns="0" tIns="0" bIns="0">
-            <a:normAutofit/>
-          </a:bodyPr>
-          <a:p>
-            <a:endParaRPr b="0" lang="en-US" sz="2800" spc="-1" strike="noStrike">
-              <a:solidFill>
-                <a:srgbClr val="000000"/>
-              </a:solidFill>
-              <a:latin typeface="Calibri"/>
-            </a:endParaRPr>
-          </a:p>
-        </p:txBody>
-      </p:sp>
-      <p:sp>
-        <p:nvSpPr>
-          <p:cNvPr id="21" name="PlaceHolder 4"/>
-          <p:cNvSpPr>
-            <a:spLocks noGrp="1"/>
-          </p:cNvSpPr>
-          <p:nvPr>
-            <p:ph type="body"/>
-          </p:nvPr>
-        </p:nvSpPr>
-        <p:spPr>
-          <a:xfrm>
-            <a:off x="6226200" y="4098240"/>
-            <a:ext cx="5131080" cy="2075040"/>
-          </a:xfrm>
-          <a:prstGeom prst="rect">
-            <a:avLst/>
-          </a:prstGeom>
-        </p:spPr>
-        <p:txBody>
-          <a:bodyPr lIns="0" rIns="0" tIns="0" bIns="0">
-            <a:normAutofit/>
-          </a:bodyPr>
-          <a:p>
-            <a:endParaRPr b="0" lang="en-US" sz="2800" spc="-1" strike="noStrike">
-              <a:solidFill>
-                <a:srgbClr val="000000"/>
-              </a:solidFill>
-              <a:latin typeface="Calibri"/>
+            <a:pPr algn="ctr"/>
+            <a:endParaRPr b="0" lang="en-IN" sz="4400" spc="-1" strike="noStrike">
+              <a:latin typeface="Arial"/>
+            </a:endParaRPr>
+          </a:p>
+        </p:txBody>
+      </p:sp>
+      <p:sp>
+        <p:nvSpPr>
+          <p:cNvPr id="16" name="PlaceHolder 2"/>
+          <p:cNvSpPr>
+            <a:spLocks noGrp="1"/>
+          </p:cNvSpPr>
+          <p:nvPr>
+            <p:ph type="body"/>
+          </p:nvPr>
+        </p:nvSpPr>
+        <p:spPr>
+          <a:xfrm>
+            <a:off x="609480" y="1604520"/>
+            <a:ext cx="5354280" cy="3977280"/>
+          </a:xfrm>
+          <a:prstGeom prst="rect">
+            <a:avLst/>
+          </a:prstGeom>
+        </p:spPr>
+        <p:txBody>
+          <a:bodyPr lIns="0" rIns="0" tIns="0" bIns="0">
+            <a:normAutofit/>
+          </a:bodyPr>
+          <a:p>
+            <a:endParaRPr b="0" lang="en-IN" sz="3200" spc="-1" strike="noStrike">
+              <a:latin typeface="Arial"/>
+            </a:endParaRPr>
+          </a:p>
+        </p:txBody>
+      </p:sp>
+      <p:sp>
+        <p:nvSpPr>
+          <p:cNvPr id="17" name="PlaceHolder 3"/>
+          <p:cNvSpPr>
+            <a:spLocks noGrp="1"/>
+          </p:cNvSpPr>
+          <p:nvPr>
+            <p:ph type="body"/>
+          </p:nvPr>
+        </p:nvSpPr>
+        <p:spPr>
+          <a:xfrm>
+            <a:off x="6231960" y="1604520"/>
+            <a:ext cx="5354280" cy="1896840"/>
+          </a:xfrm>
+          <a:prstGeom prst="rect">
+            <a:avLst/>
+          </a:prstGeom>
+        </p:spPr>
+        <p:txBody>
+          <a:bodyPr lIns="0" rIns="0" tIns="0" bIns="0">
+            <a:normAutofit/>
+          </a:bodyPr>
+          <a:p>
+            <a:endParaRPr b="0" lang="en-IN" sz="3200" spc="-1" strike="noStrike">
+              <a:latin typeface="Arial"/>
+            </a:endParaRPr>
+          </a:p>
+        </p:txBody>
+      </p:sp>
+      <p:sp>
+        <p:nvSpPr>
+          <p:cNvPr id="18" name="PlaceHolder 4"/>
+          <p:cNvSpPr>
+            <a:spLocks noGrp="1"/>
+          </p:cNvSpPr>
+          <p:nvPr>
+            <p:ph type="body"/>
+          </p:nvPr>
+        </p:nvSpPr>
+        <p:spPr>
+          <a:xfrm>
+            <a:off x="6231960" y="3682080"/>
+            <a:ext cx="5354280" cy="1896840"/>
+          </a:xfrm>
+          <a:prstGeom prst="rect">
+            <a:avLst/>
+          </a:prstGeom>
+        </p:spPr>
+        <p:txBody>
+          <a:bodyPr lIns="0" rIns="0" tIns="0" bIns="0">
+            <a:normAutofit/>
+          </a:bodyPr>
+          <a:p>
+            <a:endParaRPr b="0" lang="en-IN" sz="3200" spc="-1" strike="noStrike">
+              <a:latin typeface="Arial"/>
             </a:endParaRPr>
           </a:p>
         </p:txBody>
@@ -2778,7 +2605,7 @@
       </p:grpSpPr>
       <p:sp>
         <p:nvSpPr>
-          <p:cNvPr id="22" name="PlaceHolder 1"/>
+          <p:cNvPr id="19" name="PlaceHolder 1"/>
           <p:cNvSpPr>
             <a:spLocks noGrp="1"/>
           </p:cNvSpPr>
@@ -2788,8 +2615,8 @@
         </p:nvSpPr>
         <p:spPr>
           <a:xfrm>
-            <a:off x="838080" y="365040"/>
-            <a:ext cx="10515240" cy="1325160"/>
+            <a:off x="609480" y="273600"/>
+            <a:ext cx="10972440" cy="1144800"/>
           </a:xfrm>
           <a:prstGeom prst="rect">
             <a:avLst/>
@@ -2800,110 +2627,99 @@
             <a:noAutofit/>
           </a:bodyPr>
           <a:p>
-            <a:endParaRPr b="0" lang="en-US" sz="1800" spc="-1" strike="noStrike">
-              <a:solidFill>
-                <a:srgbClr val="000000"/>
-              </a:solidFill>
-              <a:latin typeface="Calibri"/>
-            </a:endParaRPr>
-          </a:p>
-        </p:txBody>
-      </p:sp>
-      <p:sp>
-        <p:nvSpPr>
-          <p:cNvPr id="23" name="PlaceHolder 2"/>
-          <p:cNvSpPr>
-            <a:spLocks noGrp="1"/>
-          </p:cNvSpPr>
-          <p:nvPr>
-            <p:ph type="body"/>
-          </p:nvPr>
-        </p:nvSpPr>
-        <p:spPr>
-          <a:xfrm>
-            <a:off x="838080" y="1825560"/>
-            <a:ext cx="5131080" cy="2075040"/>
-          </a:xfrm>
-          <a:prstGeom prst="rect">
-            <a:avLst/>
-          </a:prstGeom>
-        </p:spPr>
-        <p:txBody>
-          <a:bodyPr lIns="0" rIns="0" tIns="0" bIns="0">
-            <a:normAutofit/>
-          </a:bodyPr>
-          <a:p>
-            <a:endParaRPr b="0" lang="en-US" sz="2800" spc="-1" strike="noStrike">
-              <a:solidFill>
-                <a:srgbClr val="000000"/>
-              </a:solidFill>
-              <a:latin typeface="Calibri"/>
-            </a:endParaRPr>
-          </a:p>
-        </p:txBody>
-      </p:sp>
-      <p:sp>
-        <p:nvSpPr>
-          <p:cNvPr id="24" name="PlaceHolder 3"/>
-          <p:cNvSpPr>
-            <a:spLocks noGrp="1"/>
-          </p:cNvSpPr>
-          <p:nvPr>
-            <p:ph type="body"/>
-          </p:nvPr>
-        </p:nvSpPr>
-        <p:spPr>
-          <a:xfrm>
-            <a:off x="6226200" y="1825560"/>
-            <a:ext cx="5131080" cy="2075040"/>
-          </a:xfrm>
-          <a:prstGeom prst="rect">
-            <a:avLst/>
-          </a:prstGeom>
-        </p:spPr>
-        <p:txBody>
-          <a:bodyPr lIns="0" rIns="0" tIns="0" bIns="0">
-            <a:normAutofit/>
-          </a:bodyPr>
-          <a:p>
-            <a:endParaRPr b="0" lang="en-US" sz="2800" spc="-1" strike="noStrike">
-              <a:solidFill>
-                <a:srgbClr val="000000"/>
-              </a:solidFill>
-              <a:latin typeface="Calibri"/>
-            </a:endParaRPr>
-          </a:p>
-        </p:txBody>
-      </p:sp>
-      <p:sp>
-        <p:nvSpPr>
-          <p:cNvPr id="25" name="PlaceHolder 4"/>
-          <p:cNvSpPr>
-            <a:spLocks noGrp="1"/>
-          </p:cNvSpPr>
-          <p:nvPr>
-            <p:ph type="body"/>
-          </p:nvPr>
-        </p:nvSpPr>
-        <p:spPr>
-          <a:xfrm>
-            <a:off x="838080" y="4098240"/>
-            <a:ext cx="10515240" cy="2075040"/>
-          </a:xfrm>
-          <a:prstGeom prst="rect">
-            <a:avLst/>
-          </a:prstGeom>
-        </p:spPr>
-        <p:txBody>
-          <a:bodyPr lIns="0" rIns="0" tIns="0" bIns="0">
-            <a:normAutofit/>
-          </a:bodyPr>
-          <a:p>
-            <a:endParaRPr b="0" lang="en-US" sz="2800" spc="-1" strike="noStrike">
-              <a:solidFill>
-                <a:srgbClr val="000000"/>
-              </a:solidFill>
-              <a:latin typeface="Calibri"/>
+            <a:pPr algn="ctr"/>
+            <a:endParaRPr b="0" lang="en-IN" sz="4400" spc="-1" strike="noStrike">
+              <a:latin typeface="Arial"/>
+            </a:endParaRPr>
+          </a:p>
+        </p:txBody>
+      </p:sp>
+      <p:sp>
+        <p:nvSpPr>
+          <p:cNvPr id="20" name="PlaceHolder 2"/>
+          <p:cNvSpPr>
+            <a:spLocks noGrp="1"/>
+          </p:cNvSpPr>
+          <p:nvPr>
+            <p:ph type="body"/>
+          </p:nvPr>
+        </p:nvSpPr>
+        <p:spPr>
+          <a:xfrm>
+            <a:off x="609480" y="1604520"/>
+            <a:ext cx="5354280" cy="1896840"/>
+          </a:xfrm>
+          <a:prstGeom prst="rect">
+            <a:avLst/>
+          </a:prstGeom>
+        </p:spPr>
+        <p:txBody>
+          <a:bodyPr lIns="0" rIns="0" tIns="0" bIns="0">
+            <a:normAutofit/>
+          </a:bodyPr>
+          <a:p>
+            <a:endParaRPr b="0" lang="en-IN" sz="3200" spc="-1" strike="noStrike">
+              <a:latin typeface="Arial"/>
+            </a:endParaRPr>
+          </a:p>
+        </p:txBody>
+      </p:sp>
+      <p:sp>
+        <p:nvSpPr>
+          <p:cNvPr id="21" name="PlaceHolder 3"/>
+          <p:cNvSpPr>
+            <a:spLocks noGrp="1"/>
+          </p:cNvSpPr>
+          <p:nvPr>
+            <p:ph type="body"/>
+          </p:nvPr>
+        </p:nvSpPr>
+        <p:spPr>
+          <a:xfrm>
+            <a:off x="6231960" y="1604520"/>
+            <a:ext cx="5354280" cy="1896840"/>
+          </a:xfrm>
+          <a:prstGeom prst="rect">
+            <a:avLst/>
+          </a:prstGeom>
+        </p:spPr>
+        <p:txBody>
+          <a:bodyPr lIns="0" rIns="0" tIns="0" bIns="0">
+            <a:normAutofit/>
+          </a:bodyPr>
+          <a:p>
+            <a:endParaRPr b="0" lang="en-IN" sz="3200" spc="-1" strike="noStrike">
+              <a:latin typeface="Arial"/>
+            </a:endParaRPr>
+          </a:p>
+        </p:txBody>
+      </p:sp>
+      <p:sp>
+        <p:nvSpPr>
+          <p:cNvPr id="22" name="PlaceHolder 4"/>
+          <p:cNvSpPr>
+            <a:spLocks noGrp="1"/>
+          </p:cNvSpPr>
+          <p:nvPr>
+            <p:ph type="body"/>
+          </p:nvPr>
+        </p:nvSpPr>
+        <p:spPr>
+          <a:xfrm>
+            <a:off x="609480" y="3682080"/>
+            <a:ext cx="10972440" cy="1896840"/>
+          </a:xfrm>
+          <a:prstGeom prst="rect">
+            <a:avLst/>
+          </a:prstGeom>
+        </p:spPr>
+        <p:txBody>
+          <a:bodyPr lIns="0" rIns="0" tIns="0" bIns="0">
+            <a:normAutofit/>
+          </a:bodyPr>
+          <a:p>
+            <a:endParaRPr b="0" lang="en-IN" sz="3200" spc="-1" strike="noStrike">
+              <a:latin typeface="Arial"/>
             </a:endParaRPr>
           </a:p>
         </p:txBody>
@@ -2949,37 +2765,27 @@
         </p:nvSpPr>
         <p:spPr>
           <a:xfrm>
-            <a:off x="1523880" y="1122480"/>
-            <a:ext cx="9143640" cy="2387160"/>
-          </a:xfrm>
-          <a:prstGeom prst="rect">
-            <a:avLst/>
-          </a:prstGeom>
-        </p:spPr>
-        <p:txBody>
-          <a:bodyPr anchor="b">
+            <a:off x="609480" y="273600"/>
+            <a:ext cx="10972440" cy="1144800"/>
+          </a:xfrm>
+          <a:prstGeom prst="rect">
+            <a:avLst/>
+          </a:prstGeom>
+        </p:spPr>
+        <p:txBody>
+          <a:bodyPr lIns="0" rIns="0" tIns="0" bIns="0" anchor="ctr">
             <a:noAutofit/>
           </a:bodyPr>
           <a:p>
-            <a:pPr algn="ctr">
-              <a:lnSpc>
-                <a:spcPct val="90000"/>
-              </a:lnSpc>
-            </a:pPr>
+            <a:pPr algn="ctr"/>
             <a:r>
-              <a:rPr b="0" lang="en-US" sz="6000" spc="-1" strike="noStrike">
-                <a:solidFill>
-                  <a:srgbClr val="000000"/>
-                </a:solidFill>
-                <a:latin typeface="Calibri Light"/>
+              <a:rPr b="0" lang="en-IN" sz="4400" spc="-1" strike="noStrike">
+                <a:latin typeface="Arial"/>
               </a:rPr>
-              <a:t>Click to edit Master title style</a:t>
+              <a:t>Click to edit the title text format</a:t>
             </a:r>
-            <a:endParaRPr b="0" lang="en-US" sz="6000" spc="-1" strike="noStrike">
-              <a:solidFill>
-                <a:srgbClr val="000000"/>
-              </a:solidFill>
-              <a:latin typeface="Calibri"/>
+            <a:endParaRPr b="0" lang="en-IN" sz="4400" spc="-1" strike="noStrike">
+              <a:latin typeface="Arial"/>
             </a:endParaRPr>
           </a:p>
         </p:txBody>
@@ -2987,124 +2793,6 @@
       <p:sp>
         <p:nvSpPr>
           <p:cNvPr id="1" name="PlaceHolder 2"/>
-          <p:cNvSpPr>
-            <a:spLocks noGrp="1"/>
-          </p:cNvSpPr>
-          <p:nvPr>
-            <p:ph type="dt"/>
-          </p:nvPr>
-        </p:nvSpPr>
-        <p:spPr>
-          <a:xfrm>
-            <a:off x="838080" y="6356520"/>
-            <a:ext cx="2742840" cy="364680"/>
-          </a:xfrm>
-          <a:prstGeom prst="rect">
-            <a:avLst/>
-          </a:prstGeom>
-        </p:spPr>
-        <p:txBody>
-          <a:bodyPr anchor="ctr">
-            <a:noAutofit/>
-          </a:bodyPr>
-          <a:p>
-            <a:pPr>
-              <a:lnSpc>
-                <a:spcPct val="100000"/>
-              </a:lnSpc>
-            </a:pPr>
-            <a:fld id="{D7F47A7D-2D18-4531-95D9-3539D1FC2062}" type="datetime">
-              <a:rPr b="0" lang="en-US" sz="1200" spc="-1" strike="noStrike">
-                <a:solidFill>
-                  <a:srgbClr val="8b8b8b"/>
-                </a:solidFill>
-                <a:latin typeface="Calibri"/>
-              </a:rPr>
-              <a:t>7/7/21</a:t>
-            </a:fld>
-            <a:endParaRPr b="0" lang="en-IN" sz="1200" spc="-1" strike="noStrike">
-              <a:latin typeface="Times New Roman"/>
-            </a:endParaRPr>
-          </a:p>
-        </p:txBody>
-      </p:sp>
-      <p:sp>
-        <p:nvSpPr>
-          <p:cNvPr id="2" name="PlaceHolder 3"/>
-          <p:cNvSpPr>
-            <a:spLocks noGrp="1"/>
-          </p:cNvSpPr>
-          <p:nvPr>
-            <p:ph type="ftr"/>
-          </p:nvPr>
-        </p:nvSpPr>
-        <p:spPr>
-          <a:xfrm>
-            <a:off x="4038480" y="6356520"/>
-            <a:ext cx="4114440" cy="364680"/>
-          </a:xfrm>
-          <a:prstGeom prst="rect">
-            <a:avLst/>
-          </a:prstGeom>
-        </p:spPr>
-        <p:txBody>
-          <a:bodyPr anchor="ctr">
-            <a:noAutofit/>
-          </a:bodyPr>
-          <a:p>
-            <a:endParaRPr b="0" lang="en-IN" sz="2400" spc="-1" strike="noStrike">
-              <a:latin typeface="Times New Roman"/>
-            </a:endParaRPr>
-          </a:p>
-        </p:txBody>
-      </p:sp>
-      <p:sp>
-        <p:nvSpPr>
-          <p:cNvPr id="3" name="PlaceHolder 4"/>
-          <p:cNvSpPr>
-            <a:spLocks noGrp="1"/>
-          </p:cNvSpPr>
-          <p:nvPr>
-            <p:ph type="sldNum"/>
-          </p:nvPr>
-        </p:nvSpPr>
-        <p:spPr>
-          <a:xfrm>
-            <a:off x="8610480" y="6356520"/>
-            <a:ext cx="2742840" cy="364680"/>
-          </a:xfrm>
-          <a:prstGeom prst="rect">
-            <a:avLst/>
-          </a:prstGeom>
-        </p:spPr>
-        <p:txBody>
-          <a:bodyPr anchor="ctr">
-            <a:noAutofit/>
-          </a:bodyPr>
-          <a:p>
-            <a:pPr algn="r">
-              <a:lnSpc>
-                <a:spcPct val="100000"/>
-              </a:lnSpc>
-            </a:pPr>
-            <a:fld id="{3BFD117D-E4B3-43F2-B709-C433C9E6F439}" type="slidenum">
-              <a:rPr b="0" lang="en-US" sz="1200" spc="-1" strike="noStrike">
-                <a:solidFill>
-                  <a:srgbClr val="8b8b8b"/>
-                </a:solidFill>
-                <a:latin typeface="Calibri"/>
-              </a:rPr>
-              <a:t>&lt;number&gt;</a:t>
-            </a:fld>
-            <a:endParaRPr b="0" lang="en-IN" sz="1200" spc="-1" strike="noStrike">
-              <a:latin typeface="Times New Roman"/>
-            </a:endParaRPr>
-          </a:p>
-        </p:txBody>
-      </p:sp>
-      <p:sp>
-        <p:nvSpPr>
-          <p:cNvPr id="4" name="PlaceHolder 5"/>
           <p:cNvSpPr>
             <a:spLocks noGrp="1"/>
           </p:cNvSpPr>
@@ -3138,19 +2826,13 @@
               <a:buChar char=""/>
             </a:pPr>
             <a:r>
-              <a:rPr b="0" lang="en-US" sz="2800" spc="-1" strike="noStrike">
-                <a:solidFill>
-                  <a:srgbClr val="000000"/>
-                </a:solidFill>
-                <a:latin typeface="Calibri"/>
+              <a:rPr b="0" lang="en-IN" sz="3200" spc="-1" strike="noStrike">
+                <a:latin typeface="Arial"/>
               </a:rPr>
               <a:t>Click to edit the outline text format</a:t>
             </a:r>
-            <a:endParaRPr b="0" lang="en-US" sz="2800" spc="-1" strike="noStrike">
-              <a:solidFill>
-                <a:srgbClr val="000000"/>
-              </a:solidFill>
-              <a:latin typeface="Calibri"/>
+            <a:endParaRPr b="0" lang="en-IN" sz="3200" spc="-1" strike="noStrike">
+              <a:latin typeface="Arial"/>
             </a:endParaRPr>
           </a:p>
           <a:p>
@@ -3166,19 +2848,13 @@
               <a:buChar char=""/>
             </a:pPr>
             <a:r>
-              <a:rPr b="0" lang="en-US" sz="2000" spc="-1" strike="noStrike">
-                <a:solidFill>
-                  <a:srgbClr val="000000"/>
-                </a:solidFill>
-                <a:latin typeface="Calibri"/>
+              <a:rPr b="0" lang="en-IN" sz="2800" spc="-1" strike="noStrike">
+                <a:latin typeface="Arial"/>
               </a:rPr>
               <a:t>Second Outline Level</a:t>
             </a:r>
-            <a:endParaRPr b="0" lang="en-US" sz="2000" spc="-1" strike="noStrike">
-              <a:solidFill>
-                <a:srgbClr val="000000"/>
-              </a:solidFill>
-              <a:latin typeface="Calibri"/>
+            <a:endParaRPr b="0" lang="en-IN" sz="2800" spc="-1" strike="noStrike">
+              <a:latin typeface="Arial"/>
             </a:endParaRPr>
           </a:p>
           <a:p>
@@ -3194,19 +2870,13 @@
               <a:buChar char=""/>
             </a:pPr>
             <a:r>
-              <a:rPr b="0" lang="en-US" sz="1800" spc="-1" strike="noStrike">
-                <a:solidFill>
-                  <a:srgbClr val="000000"/>
-                </a:solidFill>
-                <a:latin typeface="Calibri"/>
+              <a:rPr b="0" lang="en-IN" sz="2400" spc="-1" strike="noStrike">
+                <a:latin typeface="Arial"/>
               </a:rPr>
               <a:t>Third Outline Level</a:t>
             </a:r>
-            <a:endParaRPr b="0" lang="en-US" sz="1800" spc="-1" strike="noStrike">
-              <a:solidFill>
-                <a:srgbClr val="000000"/>
-              </a:solidFill>
-              <a:latin typeface="Calibri"/>
+            <a:endParaRPr b="0" lang="en-IN" sz="2400" spc="-1" strike="noStrike">
+              <a:latin typeface="Arial"/>
             </a:endParaRPr>
           </a:p>
           <a:p>
@@ -3222,19 +2892,13 @@
               <a:buChar char=""/>
             </a:pPr>
             <a:r>
-              <a:rPr b="0" lang="en-US" sz="1800" spc="-1" strike="noStrike">
-                <a:solidFill>
-                  <a:srgbClr val="000000"/>
-                </a:solidFill>
-                <a:latin typeface="Calibri"/>
+              <a:rPr b="0" lang="en-IN" sz="2000" spc="-1" strike="noStrike">
+                <a:latin typeface="Arial"/>
               </a:rPr>
               <a:t>Fourth Outline Level</a:t>
             </a:r>
-            <a:endParaRPr b="0" lang="en-US" sz="1800" spc="-1" strike="noStrike">
-              <a:solidFill>
-                <a:srgbClr val="000000"/>
-              </a:solidFill>
-              <a:latin typeface="Calibri"/>
+            <a:endParaRPr b="0" lang="en-IN" sz="2000" spc="-1" strike="noStrike">
+              <a:latin typeface="Arial"/>
             </a:endParaRPr>
           </a:p>
           <a:p>
@@ -3250,19 +2914,13 @@
               <a:buChar char=""/>
             </a:pPr>
             <a:r>
-              <a:rPr b="0" lang="en-US" sz="2000" spc="-1" strike="noStrike">
-                <a:solidFill>
-                  <a:srgbClr val="000000"/>
-                </a:solidFill>
-                <a:latin typeface="Calibri"/>
+              <a:rPr b="0" lang="en-IN" sz="2000" spc="-1" strike="noStrike">
+                <a:latin typeface="Arial"/>
               </a:rPr>
               <a:t>Fifth Outline Level</a:t>
             </a:r>
-            <a:endParaRPr b="0" lang="en-US" sz="2000" spc="-1" strike="noStrike">
-              <a:solidFill>
-                <a:srgbClr val="000000"/>
-              </a:solidFill>
-              <a:latin typeface="Calibri"/>
+            <a:endParaRPr b="0" lang="en-IN" sz="2000" spc="-1" strike="noStrike">
+              <a:latin typeface="Arial"/>
             </a:endParaRPr>
           </a:p>
           <a:p>
@@ -3278,19 +2936,13 @@
               <a:buChar char=""/>
             </a:pPr>
             <a:r>
-              <a:rPr b="0" lang="en-US" sz="2000" spc="-1" strike="noStrike">
-                <a:solidFill>
-                  <a:srgbClr val="000000"/>
-                </a:solidFill>
-                <a:latin typeface="Calibri"/>
+              <a:rPr b="0" lang="en-IN" sz="2000" spc="-1" strike="noStrike">
+                <a:latin typeface="Arial"/>
               </a:rPr>
               <a:t>Sixth Outline Level</a:t>
             </a:r>
-            <a:endParaRPr b="0" lang="en-US" sz="2000" spc="-1" strike="noStrike">
-              <a:solidFill>
-                <a:srgbClr val="000000"/>
-              </a:solidFill>
-              <a:latin typeface="Calibri"/>
+            <a:endParaRPr b="0" lang="en-IN" sz="2000" spc="-1" strike="noStrike">
+              <a:latin typeface="Arial"/>
             </a:endParaRPr>
           </a:p>
           <a:p>
@@ -3306,19 +2958,13 @@
               <a:buChar char=""/>
             </a:pPr>
             <a:r>
-              <a:rPr b="0" lang="en-US" sz="2000" spc="-1" strike="noStrike">
-                <a:solidFill>
-                  <a:srgbClr val="000000"/>
-                </a:solidFill>
-                <a:latin typeface="Calibri"/>
+              <a:rPr b="0" lang="en-IN" sz="2000" spc="-1" strike="noStrike">
+                <a:latin typeface="Arial"/>
               </a:rPr>
               <a:t>Seventh Outline Level</a:t>
             </a:r>
-            <a:endParaRPr b="0" lang="en-US" sz="2000" spc="-1" strike="noStrike">
-              <a:solidFill>
-                <a:srgbClr val="000000"/>
-              </a:solidFill>
-              <a:latin typeface="Calibri"/>
+            <a:endParaRPr b="0" lang="en-IN" sz="2000" spc="-1" strike="noStrike">
+              <a:latin typeface="Arial"/>
             </a:endParaRPr>
           </a:p>
         </p:txBody>
@@ -3369,7 +3015,7 @@
       </p:grpSpPr>
       <p:sp>
         <p:nvSpPr>
-          <p:cNvPr id="41" name="PlaceHolder 1"/>
+          <p:cNvPr id="38" name="PlaceHolder 1"/>
           <p:cNvSpPr>
             <a:spLocks noGrp="1"/>
           </p:cNvSpPr>
@@ -3379,330 +3025,206 @@
         </p:nvSpPr>
         <p:spPr>
           <a:xfrm>
-            <a:off x="838080" y="365040"/>
-            <a:ext cx="10515240" cy="1325160"/>
-          </a:xfrm>
-          <a:prstGeom prst="rect">
-            <a:avLst/>
-          </a:prstGeom>
-        </p:spPr>
-        <p:txBody>
-          <a:bodyPr anchor="ctr">
+            <a:off x="609480" y="273600"/>
+            <a:ext cx="10972440" cy="1144800"/>
+          </a:xfrm>
+          <a:prstGeom prst="rect">
+            <a:avLst/>
+          </a:prstGeom>
+        </p:spPr>
+        <p:txBody>
+          <a:bodyPr lIns="0" rIns="0" tIns="0" bIns="0" anchor="ctr">
             <a:noAutofit/>
           </a:bodyPr>
           <a:p>
-            <a:pPr>
-              <a:lnSpc>
-                <a:spcPct val="90000"/>
-              </a:lnSpc>
-            </a:pPr>
+            <a:pPr algn="ctr"/>
             <a:r>
-              <a:rPr b="0" lang="en-US" sz="4400" spc="-1" strike="noStrike">
-                <a:solidFill>
-                  <a:srgbClr val="000000"/>
-                </a:solidFill>
-                <a:latin typeface="Calibri Light"/>
+              <a:rPr b="0" lang="en-IN" sz="4400" spc="-1" strike="noStrike">
+                <a:latin typeface="Arial"/>
               </a:rPr>
-              <a:t>Click to edit Master title style</a:t>
+              <a:t>Click to edit the title text format</a:t>
             </a:r>
-            <a:endParaRPr b="0" lang="en-US" sz="4400" spc="-1" strike="noStrike">
-              <a:solidFill>
-                <a:srgbClr val="000000"/>
-              </a:solidFill>
-              <a:latin typeface="Calibri"/>
-            </a:endParaRPr>
-          </a:p>
-        </p:txBody>
-      </p:sp>
-      <p:sp>
-        <p:nvSpPr>
-          <p:cNvPr id="42" name="PlaceHolder 2"/>
-          <p:cNvSpPr>
-            <a:spLocks noGrp="1"/>
-          </p:cNvSpPr>
-          <p:nvPr>
-            <p:ph type="body"/>
-          </p:nvPr>
-        </p:nvSpPr>
-        <p:spPr>
-          <a:xfrm>
-            <a:off x="838080" y="1825560"/>
-            <a:ext cx="10515240" cy="4350960"/>
-          </a:xfrm>
-          <a:prstGeom prst="rect">
-            <a:avLst/>
-          </a:prstGeom>
-        </p:spPr>
-        <p:txBody>
-          <a:bodyPr>
-            <a:noAutofit/>
-          </a:bodyPr>
-          <a:p>
-            <a:pPr marL="228600" indent="-228240">
-              <a:lnSpc>
-                <a:spcPct val="90000"/>
-              </a:lnSpc>
+            <a:endParaRPr b="0" lang="en-IN" sz="4400" spc="-1" strike="noStrike">
+              <a:latin typeface="Arial"/>
+            </a:endParaRPr>
+          </a:p>
+        </p:txBody>
+      </p:sp>
+      <p:sp>
+        <p:nvSpPr>
+          <p:cNvPr id="39" name="PlaceHolder 2"/>
+          <p:cNvSpPr>
+            <a:spLocks noGrp="1"/>
+          </p:cNvSpPr>
+          <p:nvPr>
+            <p:ph type="body"/>
+          </p:nvPr>
+        </p:nvSpPr>
+        <p:spPr>
+          <a:xfrm>
+            <a:off x="609480" y="1604520"/>
+            <a:ext cx="10972440" cy="3977280"/>
+          </a:xfrm>
+          <a:prstGeom prst="rect">
+            <a:avLst/>
+          </a:prstGeom>
+        </p:spPr>
+        <p:txBody>
+          <a:bodyPr lIns="0" rIns="0" tIns="0" bIns="0">
+            <a:normAutofit/>
+          </a:bodyPr>
+          <a:p>
+            <a:pPr marL="432000" indent="-324000">
               <a:spcBef>
-                <a:spcPts val="1001"/>
+                <a:spcPts val="1417"/>
               </a:spcBef>
               <a:buClr>
                 <a:srgbClr val="000000"/>
               </a:buClr>
-              <a:buFont typeface="Arial"/>
-              <a:buChar char="•"/>
+              <a:buSzPct val="45000"/>
+              <a:buFont typeface="Wingdings" charset="2"/>
+              <a:buChar char=""/>
             </a:pPr>
             <a:r>
-              <a:rPr b="0" lang="en-US" sz="2800" spc="-1" strike="noStrike">
-                <a:solidFill>
-                  <a:srgbClr val="000000"/>
-                </a:solidFill>
-                <a:latin typeface="Calibri"/>
+              <a:rPr b="0" lang="en-IN" sz="3200" spc="-1" strike="noStrike">
+                <a:latin typeface="Arial"/>
               </a:rPr>
-              <a:t>Click to edit Master text styles</a:t>
+              <a:t>Click to edit the outline text format</a:t>
             </a:r>
-            <a:endParaRPr b="0" lang="en-US" sz="2800" spc="-1" strike="noStrike">
-              <a:solidFill>
-                <a:srgbClr val="000000"/>
-              </a:solidFill>
-              <a:latin typeface="Calibri"/>
-            </a:endParaRPr>
-          </a:p>
-          <a:p>
-            <a:pPr lvl="1" marL="685800" indent="-228240">
-              <a:lnSpc>
-                <a:spcPct val="90000"/>
-              </a:lnSpc>
+            <a:endParaRPr b="0" lang="en-IN" sz="3200" spc="-1" strike="noStrike">
+              <a:latin typeface="Arial"/>
+            </a:endParaRPr>
+          </a:p>
+          <a:p>
+            <a:pPr lvl="1" marL="864000" indent="-324000">
               <a:spcBef>
-                <a:spcPts val="499"/>
+                <a:spcPts val="1134"/>
               </a:spcBef>
               <a:buClr>
                 <a:srgbClr val="000000"/>
               </a:buClr>
-              <a:buFont typeface="Arial"/>
-              <a:buChar char="•"/>
+              <a:buSzPct val="75000"/>
+              <a:buFont typeface="Symbol" charset="2"/>
+              <a:buChar char=""/>
             </a:pPr>
             <a:r>
-              <a:rPr b="0" lang="en-US" sz="2400" spc="-1" strike="noStrike">
-                <a:solidFill>
-                  <a:srgbClr val="000000"/>
-                </a:solidFill>
-                <a:latin typeface="Calibri"/>
+              <a:rPr b="0" lang="en-IN" sz="2800" spc="-1" strike="noStrike">
+                <a:latin typeface="Arial"/>
               </a:rPr>
-              <a:t>Second level</a:t>
+              <a:t>Second Outline Level</a:t>
             </a:r>
-            <a:endParaRPr b="0" lang="en-US" sz="2400" spc="-1" strike="noStrike">
-              <a:solidFill>
-                <a:srgbClr val="000000"/>
-              </a:solidFill>
-              <a:latin typeface="Calibri"/>
-            </a:endParaRPr>
-          </a:p>
-          <a:p>
-            <a:pPr lvl="2" marL="1143000" indent="-228240">
-              <a:lnSpc>
-                <a:spcPct val="90000"/>
-              </a:lnSpc>
+            <a:endParaRPr b="0" lang="en-IN" sz="2800" spc="-1" strike="noStrike">
+              <a:latin typeface="Arial"/>
+            </a:endParaRPr>
+          </a:p>
+          <a:p>
+            <a:pPr lvl="2" marL="1296000" indent="-288000">
               <a:spcBef>
-                <a:spcPts val="499"/>
+                <a:spcPts val="850"/>
               </a:spcBef>
               <a:buClr>
                 <a:srgbClr val="000000"/>
               </a:buClr>
-              <a:buFont typeface="Arial"/>
-              <a:buChar char="•"/>
+              <a:buSzPct val="45000"/>
+              <a:buFont typeface="Wingdings" charset="2"/>
+              <a:buChar char=""/>
             </a:pPr>
             <a:r>
-              <a:rPr b="0" lang="en-US" sz="2000" spc="-1" strike="noStrike">
-                <a:solidFill>
-                  <a:srgbClr val="000000"/>
-                </a:solidFill>
-                <a:latin typeface="Calibri"/>
+              <a:rPr b="0" lang="en-IN" sz="2400" spc="-1" strike="noStrike">
+                <a:latin typeface="Arial"/>
               </a:rPr>
-              <a:t>Third level</a:t>
+              <a:t>Third Outline Level</a:t>
             </a:r>
-            <a:endParaRPr b="0" lang="en-US" sz="2000" spc="-1" strike="noStrike">
-              <a:solidFill>
-                <a:srgbClr val="000000"/>
-              </a:solidFill>
-              <a:latin typeface="Calibri"/>
-            </a:endParaRPr>
-          </a:p>
-          <a:p>
-            <a:pPr lvl="3" marL="1600200" indent="-228240">
-              <a:lnSpc>
-                <a:spcPct val="90000"/>
-              </a:lnSpc>
+            <a:endParaRPr b="0" lang="en-IN" sz="2400" spc="-1" strike="noStrike">
+              <a:latin typeface="Arial"/>
+            </a:endParaRPr>
+          </a:p>
+          <a:p>
+            <a:pPr lvl="3" marL="1728000" indent="-216000">
               <a:spcBef>
-                <a:spcPts val="499"/>
+                <a:spcPts val="567"/>
               </a:spcBef>
               <a:buClr>
                 <a:srgbClr val="000000"/>
               </a:buClr>
-              <a:buFont typeface="Arial"/>
-              <a:buChar char="•"/>
+              <a:buSzPct val="75000"/>
+              <a:buFont typeface="Symbol" charset="2"/>
+              <a:buChar char=""/>
             </a:pPr>
             <a:r>
-              <a:rPr b="0" lang="en-US" sz="1800" spc="-1" strike="noStrike">
-                <a:solidFill>
-                  <a:srgbClr val="000000"/>
-                </a:solidFill>
-                <a:latin typeface="Calibri"/>
+              <a:rPr b="0" lang="en-IN" sz="2000" spc="-1" strike="noStrike">
+                <a:latin typeface="Arial"/>
               </a:rPr>
-              <a:t>Fourth level</a:t>
+              <a:t>Fourth Outline Level</a:t>
             </a:r>
-            <a:endParaRPr b="0" lang="en-US" sz="1800" spc="-1" strike="noStrike">
-              <a:solidFill>
-                <a:srgbClr val="000000"/>
-              </a:solidFill>
-              <a:latin typeface="Calibri"/>
-            </a:endParaRPr>
-          </a:p>
-          <a:p>
-            <a:pPr lvl="4" marL="2057400" indent="-228240">
-              <a:lnSpc>
-                <a:spcPct val="90000"/>
-              </a:lnSpc>
+            <a:endParaRPr b="0" lang="en-IN" sz="2000" spc="-1" strike="noStrike">
+              <a:latin typeface="Arial"/>
+            </a:endParaRPr>
+          </a:p>
+          <a:p>
+            <a:pPr lvl="4" marL="2160000" indent="-216000">
               <a:spcBef>
-                <a:spcPts val="499"/>
+                <a:spcPts val="283"/>
               </a:spcBef>
               <a:buClr>
                 <a:srgbClr val="000000"/>
               </a:buClr>
-              <a:buFont typeface="Arial"/>
-              <a:buChar char="•"/>
+              <a:buSzPct val="45000"/>
+              <a:buFont typeface="Wingdings" charset="2"/>
+              <a:buChar char=""/>
             </a:pPr>
             <a:r>
-              <a:rPr b="0" lang="en-US" sz="1800" spc="-1" strike="noStrike">
-                <a:solidFill>
-                  <a:srgbClr val="000000"/>
-                </a:solidFill>
-                <a:latin typeface="Calibri"/>
+              <a:rPr b="0" lang="en-IN" sz="2000" spc="-1" strike="noStrike">
+                <a:latin typeface="Arial"/>
               </a:rPr>
-              <a:t>Fifth level</a:t>
+              <a:t>Fifth Outline Level</a:t>
             </a:r>
-            <a:endParaRPr b="0" lang="en-US" sz="1800" spc="-1" strike="noStrike">
-              <a:solidFill>
+            <a:endParaRPr b="0" lang="en-IN" sz="2000" spc="-1" strike="noStrike">
+              <a:latin typeface="Arial"/>
+            </a:endParaRPr>
+          </a:p>
+          <a:p>
+            <a:pPr lvl="5" marL="2592000" indent="-216000">
+              <a:spcBef>
+                <a:spcPts val="283"/>
+              </a:spcBef>
+              <a:buClr>
                 <a:srgbClr val="000000"/>
-              </a:solidFill>
-              <a:latin typeface="Calibri"/>
-            </a:endParaRPr>
-          </a:p>
-        </p:txBody>
-      </p:sp>
-      <p:sp>
-        <p:nvSpPr>
-          <p:cNvPr id="43" name="PlaceHolder 3"/>
-          <p:cNvSpPr>
-            <a:spLocks noGrp="1"/>
-          </p:cNvSpPr>
-          <p:nvPr>
-            <p:ph type="dt"/>
-          </p:nvPr>
-        </p:nvSpPr>
-        <p:spPr>
-          <a:xfrm>
-            <a:off x="838080" y="6356520"/>
-            <a:ext cx="2742840" cy="364680"/>
-          </a:xfrm>
-          <a:prstGeom prst="rect">
-            <a:avLst/>
-          </a:prstGeom>
-        </p:spPr>
-        <p:txBody>
-          <a:bodyPr anchor="ctr">
-            <a:noAutofit/>
-          </a:bodyPr>
-          <a:p>
-            <a:pPr>
-              <a:lnSpc>
-                <a:spcPct val="100000"/>
-              </a:lnSpc>
+              </a:buClr>
+              <a:buSzPct val="45000"/>
+              <a:buFont typeface="Wingdings" charset="2"/>
+              <a:buChar char=""/>
             </a:pPr>
-            <a:fld id="{3E1A4285-CDBE-4772-AA93-FC6687D163B4}" type="datetime">
-              <a:rPr b="0" lang="en-US" sz="1200" spc="-1" strike="noStrike">
-                <a:solidFill>
-                  <a:srgbClr val="8b8b8b"/>
-                </a:solidFill>
-                <a:latin typeface="Calibri"/>
+            <a:r>
+              <a:rPr b="0" lang="en-IN" sz="2000" spc="-1" strike="noStrike">
+                <a:latin typeface="Arial"/>
               </a:rPr>
-              <a:t>7/7/21</a:t>
-            </a:fld>
-            <a:endParaRPr b="0" lang="en-IN" sz="1200" spc="-1" strike="noStrike">
-              <a:latin typeface="Times New Roman"/>
-            </a:endParaRPr>
-          </a:p>
-        </p:txBody>
-      </p:sp>
-      <p:sp>
-        <p:nvSpPr>
-          <p:cNvPr id="44" name="PlaceHolder 4"/>
-          <p:cNvSpPr>
-            <a:spLocks noGrp="1"/>
-          </p:cNvSpPr>
-          <p:nvPr>
-            <p:ph type="ftr"/>
-          </p:nvPr>
-        </p:nvSpPr>
-        <p:spPr>
-          <a:xfrm>
-            <a:off x="4038480" y="6356520"/>
-            <a:ext cx="4114440" cy="364680"/>
-          </a:xfrm>
-          <a:prstGeom prst="rect">
-            <a:avLst/>
-          </a:prstGeom>
-        </p:spPr>
-        <p:txBody>
-          <a:bodyPr anchor="ctr">
-            <a:noAutofit/>
-          </a:bodyPr>
-          <a:p>
-            <a:endParaRPr b="0" lang="en-IN" sz="2400" spc="-1" strike="noStrike">
-              <a:latin typeface="Times New Roman"/>
-            </a:endParaRPr>
-          </a:p>
-        </p:txBody>
-      </p:sp>
-      <p:sp>
-        <p:nvSpPr>
-          <p:cNvPr id="45" name="PlaceHolder 5"/>
-          <p:cNvSpPr>
-            <a:spLocks noGrp="1"/>
-          </p:cNvSpPr>
-          <p:nvPr>
-            <p:ph type="sldNum"/>
-          </p:nvPr>
-        </p:nvSpPr>
-        <p:spPr>
-          <a:xfrm>
-            <a:off x="8610480" y="6356520"/>
-            <a:ext cx="2742840" cy="364680"/>
-          </a:xfrm>
-          <a:prstGeom prst="rect">
-            <a:avLst/>
-          </a:prstGeom>
-        </p:spPr>
-        <p:txBody>
-          <a:bodyPr anchor="ctr">
-            <a:noAutofit/>
-          </a:bodyPr>
-          <a:p>
-            <a:pPr algn="r">
-              <a:lnSpc>
-                <a:spcPct val="100000"/>
-              </a:lnSpc>
+              <a:t>Sixth Outline Level</a:t>
+            </a:r>
+            <a:endParaRPr b="0" lang="en-IN" sz="2000" spc="-1" strike="noStrike">
+              <a:latin typeface="Arial"/>
+            </a:endParaRPr>
+          </a:p>
+          <a:p>
+            <a:pPr lvl="6" marL="3024000" indent="-216000">
+              <a:spcBef>
+                <a:spcPts val="283"/>
+              </a:spcBef>
+              <a:buClr>
+                <a:srgbClr val="000000"/>
+              </a:buClr>
+              <a:buSzPct val="45000"/>
+              <a:buFont typeface="Wingdings" charset="2"/>
+              <a:buChar char=""/>
             </a:pPr>
-            <a:fld id="{8D5012C4-4821-4EB5-A9E9-1866163E8BA9}" type="slidenum">
-              <a:rPr b="0" lang="en-US" sz="1200" spc="-1" strike="noStrike">
-                <a:solidFill>
-                  <a:srgbClr val="8b8b8b"/>
-                </a:solidFill>
-                <a:latin typeface="Calibri"/>
+            <a:r>
+              <a:rPr b="0" lang="en-IN" sz="2000" spc="-1" strike="noStrike">
+                <a:latin typeface="Arial"/>
               </a:rPr>
-              <a:t>&lt;number&gt;</a:t>
-            </a:fld>
-            <a:endParaRPr b="0" lang="en-IN" sz="1200" spc="-1" strike="noStrike">
-              <a:latin typeface="Times New Roman"/>
+              <a:t>Seventh Outline Level</a:t>
+            </a:r>
+            <a:endParaRPr b="0" lang="en-IN" sz="2000" spc="-1" strike="noStrike">
+              <a:latin typeface="Arial"/>
             </a:endParaRPr>
           </a:p>
         </p:txBody>
@@ -3753,7 +3275,7 @@
       </p:grpSpPr>
       <p:pic>
         <p:nvPicPr>
-          <p:cNvPr id="82" name="Picture 4" descr=""/>
+          <p:cNvPr id="76" name="Picture 4" descr=""/>
           <p:cNvPicPr/>
           <p:nvPr/>
         </p:nvPicPr>
@@ -3765,7 +3287,7 @@
         <p:spPr>
           <a:xfrm>
             <a:off x="0" y="0"/>
-            <a:ext cx="12191760" cy="6857640"/>
+            <a:ext cx="12190680" cy="6856560"/>
           </a:xfrm>
           <a:prstGeom prst="rect">
             <a:avLst/>
@@ -3777,14 +3299,14 @@
       </p:pic>
       <p:sp>
         <p:nvSpPr>
-          <p:cNvPr id="83" name="Freeform 5"/>
+          <p:cNvPr id="77" name="Freeform 5"/>
           <p:cNvSpPr/>
           <p:nvPr/>
         </p:nvSpPr>
         <p:spPr>
           <a:xfrm>
             <a:off x="7488720" y="2277720"/>
-            <a:ext cx="4703040" cy="4579920"/>
+            <a:ext cx="4701960" cy="4578840"/>
           </a:xfrm>
           <a:custGeom>
             <a:avLst/>
@@ -3848,14 +3370,14 @@
       </p:sp>
       <p:sp>
         <p:nvSpPr>
-          <p:cNvPr id="84" name="Title 1"/>
-          <p:cNvSpPr txBox="1"/>
+          <p:cNvPr id="78" name="Title 1"/>
+          <p:cNvSpPr/>
           <p:nvPr/>
         </p:nvSpPr>
         <p:spPr>
           <a:xfrm>
             <a:off x="8021880" y="3232080"/>
-            <a:ext cx="3851640" cy="1833840"/>
+            <a:ext cx="3850560" cy="1832760"/>
           </a:xfrm>
           <a:prstGeom prst="rect">
             <a:avLst/>
@@ -3865,8 +3387,14 @@
             <a:noFill/>
           </a:ln>
         </p:spPr>
-        <p:txBody>
-          <a:bodyPr anchor="b">
+        <p:style>
+          <a:lnRef idx="0"/>
+          <a:fillRef idx="0"/>
+          <a:effectRef idx="0"/>
+          <a:fontRef idx="minor"/>
+        </p:style>
+        <p:txBody>
+          <a:bodyPr lIns="90000" rIns="90000" tIns="45000" bIns="45000" anchor="b">
             <a:normAutofit fontScale="91000"/>
           </a:bodyPr>
           <a:p>
@@ -3881,28 +3409,26 @@
                   <a:srgbClr val="000000"/>
                 </a:solidFill>
                 <a:latin typeface="Calibri Light"/>
+                <a:ea typeface="DejaVu Sans"/>
               </a:rPr>
               <a:t>OpenShift Container Platform 3.11 to 4.7</a:t>
             </a:r>
-            <a:endParaRPr b="0" lang="en-US" sz="4000" spc="-1" strike="noStrike">
-              <a:solidFill>
-                <a:srgbClr val="000000"/>
-              </a:solidFill>
-              <a:latin typeface="Calibri"/>
-            </a:endParaRPr>
-          </a:p>
-        </p:txBody>
-      </p:sp>
-      <p:sp>
-        <p:nvSpPr>
-          <p:cNvPr id="85" name="Subtitle 2"/>
-          <p:cNvSpPr txBox="1"/>
+            <a:endParaRPr b="0" lang="en-IN" sz="4000" spc="-1" strike="noStrike">
+              <a:latin typeface="Arial"/>
+            </a:endParaRPr>
+          </a:p>
+        </p:txBody>
+      </p:sp>
+      <p:sp>
+        <p:nvSpPr>
+          <p:cNvPr id="79" name="Subtitle 2"/>
+          <p:cNvSpPr/>
           <p:nvPr/>
         </p:nvSpPr>
         <p:spPr>
           <a:xfrm>
             <a:off x="7782840" y="5242680"/>
-            <a:ext cx="4330080" cy="682920"/>
+            <a:ext cx="4329000" cy="681840"/>
           </a:xfrm>
           <a:prstGeom prst="rect">
             <a:avLst/>
@@ -3912,8 +3438,14 @@
             <a:noFill/>
           </a:ln>
         </p:spPr>
-        <p:txBody>
-          <a:bodyPr>
+        <p:style>
+          <a:lnRef idx="0"/>
+          <a:fillRef idx="0"/>
+          <a:effectRef idx="0"/>
+          <a:fontRef idx="minor"/>
+        </p:style>
+        <p:txBody>
+          <a:bodyPr lIns="90000" rIns="90000" tIns="45000" bIns="45000">
             <a:normAutofit/>
           </a:bodyPr>
           <a:p>
@@ -3934,6 +3466,7 @@
                   <a:srgbClr val="000000"/>
                 </a:solidFill>
                 <a:latin typeface="Calibri"/>
+                <a:ea typeface="DejaVu Sans"/>
               </a:rPr>
               <a:t>Application Migration</a:t>
             </a:r>
@@ -3945,7 +3478,7 @@
       </p:sp>
       <p:sp>
         <p:nvSpPr>
-          <p:cNvPr id="86" name="Straight Connector 10"/>
+          <p:cNvPr id="80" name="Straight Connector 10"/>
           <p:cNvSpPr/>
           <p:nvPr/>
         </p:nvSpPr>
@@ -3959,10 +3492,7 @@
           </a:prstGeom>
           <a:ln cap="sq" w="25400">
             <a:solidFill>
-              <a:srgbClr val="000000">
-                <a:lumMod val="85000"/>
-                <a:lumOff val="15000"/>
-              </a:srgbClr>
+              <a:srgbClr val="262626"/>
             </a:solidFill>
             <a:bevel/>
           </a:ln>
@@ -4019,14 +3549,14 @@
       </p:grpSpPr>
       <p:sp>
         <p:nvSpPr>
-          <p:cNvPr id="87" name="Rectangle 76"/>
+          <p:cNvPr id="81" name="Rectangle 76"/>
           <p:cNvSpPr/>
           <p:nvPr/>
         </p:nvSpPr>
         <p:spPr>
           <a:xfrm>
             <a:off x="0" y="0"/>
-            <a:ext cx="12191760" cy="6857640"/>
+            <a:ext cx="12190680" cy="6856560"/>
           </a:xfrm>
           <a:prstGeom prst="rect">
             <a:avLst/>
@@ -4055,14 +3585,14 @@
       </p:sp>
       <p:sp>
         <p:nvSpPr>
-          <p:cNvPr id="88" name="sketch line"/>
+          <p:cNvPr id="82" name="sketch line"/>
           <p:cNvSpPr/>
           <p:nvPr/>
         </p:nvSpPr>
         <p:spPr>
           <a:xfrm>
             <a:off x="643320" y="4409280"/>
-            <a:ext cx="3254760" cy="18000"/>
+            <a:ext cx="3253680" cy="16920"/>
           </a:xfrm>
           <a:custGeom>
             <a:avLst/>
@@ -4224,7 +3754,7 @@
       </p:sp>
       <p:pic>
         <p:nvPicPr>
-          <p:cNvPr id="89" name="Picture 6" descr=""/>
+          <p:cNvPr id="83" name="Picture 6" descr=""/>
           <p:cNvPicPr/>
           <p:nvPr/>
         </p:nvPicPr>
@@ -4235,7 +3765,7 @@
         <p:spPr>
           <a:xfrm>
             <a:off x="343080" y="0"/>
-            <a:ext cx="3035520" cy="1686240"/>
+            <a:ext cx="3034440" cy="1685160"/>
           </a:xfrm>
           <a:prstGeom prst="rect">
             <a:avLst/>
@@ -4247,7 +3777,7 @@
       </p:pic>
       <p:pic>
         <p:nvPicPr>
-          <p:cNvPr id="90" name="Picture 2" descr="migration PV copy"/>
+          <p:cNvPr id="84" name="Picture 2" descr="migration PV copy"/>
           <p:cNvPicPr/>
           <p:nvPr/>
         </p:nvPicPr>
@@ -4258,7 +3788,7 @@
         <p:spPr>
           <a:xfrm>
             <a:off x="99720" y="1775880"/>
-            <a:ext cx="11862000" cy="4284360"/>
+            <a:ext cx="11860920" cy="4283280"/>
           </a:xfrm>
           <a:prstGeom prst="rect">
             <a:avLst/>
@@ -4300,14 +3830,14 @@
       </p:grpSpPr>
       <p:sp>
         <p:nvSpPr>
-          <p:cNvPr id="91" name="Title 1"/>
-          <p:cNvSpPr txBox="1"/>
+          <p:cNvPr id="85" name="Title 1"/>
+          <p:cNvSpPr/>
           <p:nvPr/>
         </p:nvSpPr>
         <p:spPr>
           <a:xfrm>
             <a:off x="838080" y="365040"/>
-            <a:ext cx="10515240" cy="1325160"/>
+            <a:ext cx="10514160" cy="1324080"/>
           </a:xfrm>
           <a:prstGeom prst="rect">
             <a:avLst/>
@@ -4317,30 +3847,23 @@
             <a:noFill/>
           </a:ln>
         </p:spPr>
-        <p:txBody>
-          <a:bodyPr anchor="ctr">
-            <a:noAutofit/>
-          </a:bodyPr>
-          <a:p>
-            <a:endParaRPr b="0" lang="en-US" sz="1800" spc="-1" strike="noStrike">
-              <a:solidFill>
-                <a:srgbClr val="000000"/>
-              </a:solidFill>
-              <a:latin typeface="Calibri"/>
-            </a:endParaRPr>
-          </a:p>
-        </p:txBody>
-      </p:sp>
-      <p:sp>
-        <p:nvSpPr>
-          <p:cNvPr id="92" name="Content Placeholder 2"/>
-          <p:cNvSpPr txBox="1"/>
+        <p:style>
+          <a:lnRef idx="0"/>
+          <a:fillRef idx="0"/>
+          <a:effectRef idx="0"/>
+          <a:fontRef idx="minor"/>
+        </p:style>
+      </p:sp>
+      <p:sp>
+        <p:nvSpPr>
+          <p:cNvPr id="86" name="Content Placeholder 2"/>
+          <p:cNvSpPr/>
           <p:nvPr/>
         </p:nvSpPr>
         <p:spPr>
           <a:xfrm>
             <a:off x="838080" y="1825560"/>
-            <a:ext cx="10515240" cy="4350960"/>
+            <a:ext cx="10514160" cy="4349880"/>
           </a:xfrm>
           <a:prstGeom prst="rect">
             <a:avLst/>
@@ -4350,12 +3873,18 @@
             <a:noFill/>
           </a:ln>
         </p:spPr>
-        <p:txBody>
-          <a:bodyPr>
+        <p:style>
+          <a:lnRef idx="0"/>
+          <a:fillRef idx="0"/>
+          <a:effectRef idx="0"/>
+          <a:fontRef idx="minor"/>
+        </p:style>
+        <p:txBody>
+          <a:bodyPr lIns="90000" rIns="90000" tIns="45000" bIns="45000">
             <a:noAutofit/>
           </a:bodyPr>
           <a:p>
-            <a:pPr marL="228600" indent="-228240">
+            <a:pPr marL="228600" indent="-227160">
               <a:lnSpc>
                 <a:spcPct val="90000"/>
               </a:lnSpc>
@@ -4374,6 +3903,7 @@
                   <a:srgbClr val="000000"/>
                 </a:solidFill>
                 <a:latin typeface="Calibri"/>
+                <a:ea typeface="DejaVu Sans"/>
               </a:rPr>
               <a:t>MigCluster CR</a:t>
             </a:r>
@@ -4383,18 +3913,16 @@
                   <a:srgbClr val="000000"/>
                 </a:solidFill>
                 <a:latin typeface="Calibri"/>
+                <a:ea typeface="DejaVu Sans"/>
               </a:rPr>
               <a:t>: Defines a host, local, or remote cluster The migration-controller pod runs on the host cluster. </a:t>
             </a:r>
-            <a:endParaRPr b="0" lang="en-US" sz="2800" spc="-1" strike="noStrike">
-              <a:solidFill>
-                <a:srgbClr val="000000"/>
-              </a:solidFill>
-              <a:latin typeface="Calibri"/>
-            </a:endParaRPr>
-          </a:p>
-          <a:p>
-            <a:pPr marL="228600" indent="-228240">
+            <a:endParaRPr b="0" lang="en-IN" sz="2800" spc="-1" strike="noStrike">
+              <a:latin typeface="Arial"/>
+            </a:endParaRPr>
+          </a:p>
+          <a:p>
+            <a:pPr marL="228600" indent="-227160">
               <a:lnSpc>
                 <a:spcPct val="90000"/>
               </a:lnSpc>
@@ -4413,6 +3941,7 @@
                   <a:srgbClr val="000000"/>
                 </a:solidFill>
                 <a:latin typeface="Calibri"/>
+                <a:ea typeface="DejaVu Sans"/>
               </a:rPr>
               <a:t>Secret CR</a:t>
             </a:r>
@@ -4422,18 +3951,16 @@
                   <a:srgbClr val="000000"/>
                 </a:solidFill>
                 <a:latin typeface="Calibri"/>
+                <a:ea typeface="DejaVu Sans"/>
               </a:rPr>
               <a:t>: Contains credentials for a remote cluster or storage </a:t>
             </a:r>
-            <a:endParaRPr b="0" lang="en-US" sz="2800" spc="-1" strike="noStrike">
-              <a:solidFill>
-                <a:srgbClr val="000000"/>
-              </a:solidFill>
-              <a:latin typeface="Calibri"/>
-            </a:endParaRPr>
-          </a:p>
-          <a:p>
-            <a:pPr marL="228600" indent="-228240">
+            <a:endParaRPr b="0" lang="en-IN" sz="2800" spc="-1" strike="noStrike">
+              <a:latin typeface="Arial"/>
+            </a:endParaRPr>
+          </a:p>
+          <a:p>
+            <a:pPr marL="228600" indent="-227160">
               <a:lnSpc>
                 <a:spcPct val="90000"/>
               </a:lnSpc>
@@ -4452,6 +3979,7 @@
                   <a:srgbClr val="000000"/>
                 </a:solidFill>
                 <a:latin typeface="Calibri"/>
+                <a:ea typeface="DejaVu Sans"/>
               </a:rPr>
               <a:t>MigStorage CR</a:t>
             </a:r>
@@ -4461,18 +3989,16 @@
                   <a:srgbClr val="000000"/>
                 </a:solidFill>
                 <a:latin typeface="Calibri"/>
+                <a:ea typeface="DejaVu Sans"/>
               </a:rPr>
               <a:t>: Defines a replication repository Different storage providers require different parameters in the MigStorage CR manifest. </a:t>
             </a:r>
-            <a:endParaRPr b="0" lang="en-US" sz="2800" spc="-1" strike="noStrike">
-              <a:solidFill>
-                <a:srgbClr val="000000"/>
-              </a:solidFill>
-              <a:latin typeface="Calibri"/>
-            </a:endParaRPr>
-          </a:p>
-          <a:p>
-            <a:pPr marL="228600" indent="-228240">
+            <a:endParaRPr b="0" lang="en-IN" sz="2800" spc="-1" strike="noStrike">
+              <a:latin typeface="Arial"/>
+            </a:endParaRPr>
+          </a:p>
+          <a:p>
+            <a:pPr marL="228600" indent="-227160">
               <a:lnSpc>
                 <a:spcPct val="90000"/>
               </a:lnSpc>
@@ -4491,6 +4017,7 @@
                   <a:srgbClr val="000000"/>
                 </a:solidFill>
                 <a:latin typeface="Calibri"/>
+                <a:ea typeface="DejaVu Sans"/>
               </a:rPr>
               <a:t>MigPlan CR</a:t>
             </a:r>
@@ -4500,18 +4027,16 @@
                   <a:srgbClr val="000000"/>
                 </a:solidFill>
                 <a:latin typeface="Calibri"/>
+                <a:ea typeface="DejaVu Sans"/>
               </a:rPr>
               <a:t>: Defines a migration plan </a:t>
             </a:r>
-            <a:endParaRPr b="0" lang="en-US" sz="2800" spc="-1" strike="noStrike">
-              <a:solidFill>
-                <a:srgbClr val="000000"/>
-              </a:solidFill>
-              <a:latin typeface="Calibri"/>
-            </a:endParaRPr>
-          </a:p>
-          <a:p>
-            <a:pPr marL="228600" indent="-228240">
+            <a:endParaRPr b="0" lang="en-IN" sz="2800" spc="-1" strike="noStrike">
+              <a:latin typeface="Arial"/>
+            </a:endParaRPr>
+          </a:p>
+          <a:p>
+            <a:pPr marL="228600" indent="-227160">
               <a:lnSpc>
                 <a:spcPct val="90000"/>
               </a:lnSpc>
@@ -4530,6 +4055,7 @@
                   <a:srgbClr val="000000"/>
                 </a:solidFill>
                 <a:latin typeface="Calibri"/>
+                <a:ea typeface="DejaVu Sans"/>
               </a:rPr>
               <a:t>MigMigration CR</a:t>
             </a:r>
@@ -4539,14 +4065,12 @@
                   <a:srgbClr val="000000"/>
                 </a:solidFill>
                 <a:latin typeface="Calibri"/>
+                <a:ea typeface="DejaVu Sans"/>
               </a:rPr>
               <a:t>: Performs a migration defined in an associated MigPlan You can create multiple MigMigration CRs for a single MigPlan CR for the following purposes</a:t>
             </a:r>
-            <a:endParaRPr b="0" lang="en-US" sz="2800" spc="-1" strike="noStrike">
-              <a:solidFill>
-                <a:srgbClr val="000000"/>
-              </a:solidFill>
-              <a:latin typeface="Calibri"/>
+            <a:endParaRPr b="0" lang="en-IN" sz="2800" spc="-1" strike="noStrike">
+              <a:latin typeface="Arial"/>
             </a:endParaRPr>
           </a:p>
         </p:txBody>
@@ -4583,14 +4107,14 @@
       </p:grpSpPr>
       <p:sp>
         <p:nvSpPr>
-          <p:cNvPr id="93" name="Title 1"/>
-          <p:cNvSpPr txBox="1"/>
+          <p:cNvPr id="87" name="Title 1"/>
+          <p:cNvSpPr/>
           <p:nvPr/>
         </p:nvSpPr>
         <p:spPr>
           <a:xfrm>
             <a:off x="838080" y="365040"/>
-            <a:ext cx="10515240" cy="1325160"/>
+            <a:ext cx="10514160" cy="1324080"/>
           </a:xfrm>
           <a:prstGeom prst="rect">
             <a:avLst/>
@@ -4600,30 +4124,23 @@
             <a:noFill/>
           </a:ln>
         </p:spPr>
-        <p:txBody>
-          <a:bodyPr anchor="ctr">
-            <a:noAutofit/>
-          </a:bodyPr>
-          <a:p>
-            <a:endParaRPr b="0" lang="en-US" sz="1800" spc="-1" strike="noStrike">
-              <a:solidFill>
-                <a:srgbClr val="000000"/>
-              </a:solidFill>
-              <a:latin typeface="Calibri"/>
-            </a:endParaRPr>
-          </a:p>
-        </p:txBody>
-      </p:sp>
-      <p:sp>
-        <p:nvSpPr>
-          <p:cNvPr id="94" name="Content Placeholder 7"/>
-          <p:cNvSpPr txBox="1"/>
+        <p:style>
+          <a:lnRef idx="0"/>
+          <a:fillRef idx="0"/>
+          <a:effectRef idx="0"/>
+          <a:fontRef idx="minor"/>
+        </p:style>
+      </p:sp>
+      <p:sp>
+        <p:nvSpPr>
+          <p:cNvPr id="88" name="Content Placeholder 7"/>
+          <p:cNvSpPr/>
           <p:nvPr/>
         </p:nvSpPr>
         <p:spPr>
           <a:xfrm>
             <a:off x="838080" y="1825560"/>
-            <a:ext cx="10515240" cy="4350960"/>
+            <a:ext cx="10514160" cy="4349880"/>
           </a:xfrm>
           <a:prstGeom prst="rect">
             <a:avLst/>
@@ -4633,23 +4150,16 @@
             <a:noFill/>
           </a:ln>
         </p:spPr>
-        <p:txBody>
-          <a:bodyPr>
-            <a:noAutofit/>
-          </a:bodyPr>
-          <a:p>
-            <a:endParaRPr b="0" lang="en-US" sz="2800" spc="-1" strike="noStrike">
-              <a:solidFill>
-                <a:srgbClr val="000000"/>
-              </a:solidFill>
-              <a:latin typeface="Calibri"/>
-            </a:endParaRPr>
-          </a:p>
-        </p:txBody>
+        <p:style>
+          <a:lnRef idx="0"/>
+          <a:fillRef idx="0"/>
+          <a:effectRef idx="0"/>
+          <a:fontRef idx="minor"/>
+        </p:style>
       </p:sp>
       <p:pic>
         <p:nvPicPr>
-          <p:cNvPr id="95" name="Picture 8" descr="Table&#10;&#10;Description automatically generated"/>
+          <p:cNvPr id="89" name="Picture 8" descr="Table&#10;&#10;Description automatically generated"/>
           <p:cNvPicPr/>
           <p:nvPr/>
         </p:nvPicPr>
@@ -4660,7 +4170,7 @@
         <p:spPr>
           <a:xfrm>
             <a:off x="119160" y="349920"/>
-            <a:ext cx="11314440" cy="6257160"/>
+            <a:ext cx="11313360" cy="6256080"/>
           </a:xfrm>
           <a:prstGeom prst="rect">
             <a:avLst/>
@@ -4702,7 +4212,7 @@
       </p:grpSpPr>
       <p:pic>
         <p:nvPicPr>
-          <p:cNvPr id="96" name="" descr=""/>
+          <p:cNvPr id="90" name="" descr=""/>
           <p:cNvPicPr/>
           <p:nvPr/>
         </p:nvPicPr>
@@ -4712,8 +4222,8 @@
         </p:blipFill>
         <p:spPr>
           <a:xfrm>
-            <a:off x="1080000" y="900000"/>
-            <a:ext cx="10486800" cy="5040000"/>
+            <a:off x="342360" y="1620000"/>
+            <a:ext cx="11357640" cy="3727080"/>
           </a:xfrm>
           <a:prstGeom prst="rect">
             <a:avLst/>

--- a/OCP 3.11 to 4.7.pptx
+++ b/OCP 3.11 to 4.7.pptx
@@ -3287,7 +3287,7 @@
         <p:spPr>
           <a:xfrm>
             <a:off x="0" y="0"/>
-            <a:ext cx="12190680" cy="6856560"/>
+            <a:ext cx="12190320" cy="6856200"/>
           </a:xfrm>
           <a:prstGeom prst="rect">
             <a:avLst/>
@@ -3306,7 +3306,7 @@
         <p:spPr>
           <a:xfrm>
             <a:off x="7488720" y="2277720"/>
-            <a:ext cx="4701960" cy="4578840"/>
+            <a:ext cx="4701600" cy="4578480"/>
           </a:xfrm>
           <a:custGeom>
             <a:avLst/>
@@ -3377,7 +3377,7 @@
         <p:spPr>
           <a:xfrm>
             <a:off x="8021880" y="3232080"/>
-            <a:ext cx="3850560" cy="1832760"/>
+            <a:ext cx="3850200" cy="1832400"/>
           </a:xfrm>
           <a:prstGeom prst="rect">
             <a:avLst/>
@@ -3428,7 +3428,7 @@
         <p:spPr>
           <a:xfrm>
             <a:off x="7782840" y="5242680"/>
-            <a:ext cx="4329000" cy="681840"/>
+            <a:ext cx="4328640" cy="681480"/>
           </a:xfrm>
           <a:prstGeom prst="rect">
             <a:avLst/>
@@ -3556,7 +3556,7 @@
         <p:spPr>
           <a:xfrm>
             <a:off x="0" y="0"/>
-            <a:ext cx="12190680" cy="6856560"/>
+            <a:ext cx="12190320" cy="6856200"/>
           </a:xfrm>
           <a:prstGeom prst="rect">
             <a:avLst/>
@@ -3592,7 +3592,7 @@
         <p:spPr>
           <a:xfrm>
             <a:off x="643320" y="4409280"/>
-            <a:ext cx="3253680" cy="16920"/>
+            <a:ext cx="3253320" cy="16560"/>
           </a:xfrm>
           <a:custGeom>
             <a:avLst/>
@@ -3765,7 +3765,7 @@
         <p:spPr>
           <a:xfrm>
             <a:off x="343080" y="0"/>
-            <a:ext cx="3034440" cy="1685160"/>
+            <a:ext cx="3034080" cy="1684800"/>
           </a:xfrm>
           <a:prstGeom prst="rect">
             <a:avLst/>
@@ -3788,7 +3788,7 @@
         <p:spPr>
           <a:xfrm>
             <a:off x="99720" y="1775880"/>
-            <a:ext cx="11860920" cy="4283280"/>
+            <a:ext cx="11860560" cy="4282920"/>
           </a:xfrm>
           <a:prstGeom prst="rect">
             <a:avLst/>
@@ -3837,7 +3837,7 @@
         <p:spPr>
           <a:xfrm>
             <a:off x="838080" y="365040"/>
-            <a:ext cx="10514160" cy="1324080"/>
+            <a:ext cx="10513800" cy="1323720"/>
           </a:xfrm>
           <a:prstGeom prst="rect">
             <a:avLst/>
@@ -3863,7 +3863,7 @@
         <p:spPr>
           <a:xfrm>
             <a:off x="838080" y="1825560"/>
-            <a:ext cx="10514160" cy="4349880"/>
+            <a:ext cx="10513800" cy="4349520"/>
           </a:xfrm>
           <a:prstGeom prst="rect">
             <a:avLst/>
@@ -3884,7 +3884,7 @@
             <a:noAutofit/>
           </a:bodyPr>
           <a:p>
-            <a:pPr marL="228600" indent="-227160">
+            <a:pPr marL="228600" indent="-226800">
               <a:lnSpc>
                 <a:spcPct val="90000"/>
               </a:lnSpc>
@@ -3922,7 +3922,7 @@
             </a:endParaRPr>
           </a:p>
           <a:p>
-            <a:pPr marL="228600" indent="-227160">
+            <a:pPr marL="228600" indent="-226800">
               <a:lnSpc>
                 <a:spcPct val="90000"/>
               </a:lnSpc>
@@ -3960,7 +3960,7 @@
             </a:endParaRPr>
           </a:p>
           <a:p>
-            <a:pPr marL="228600" indent="-227160">
+            <a:pPr marL="228600" indent="-226800">
               <a:lnSpc>
                 <a:spcPct val="90000"/>
               </a:lnSpc>
@@ -3998,7 +3998,7 @@
             </a:endParaRPr>
           </a:p>
           <a:p>
-            <a:pPr marL="228600" indent="-227160">
+            <a:pPr marL="228600" indent="-226800">
               <a:lnSpc>
                 <a:spcPct val="90000"/>
               </a:lnSpc>
@@ -4036,7 +4036,7 @@
             </a:endParaRPr>
           </a:p>
           <a:p>
-            <a:pPr marL="228600" indent="-227160">
+            <a:pPr marL="228600" indent="-226800">
               <a:lnSpc>
                 <a:spcPct val="90000"/>
               </a:lnSpc>
@@ -4114,7 +4114,7 @@
         <p:spPr>
           <a:xfrm>
             <a:off x="838080" y="365040"/>
-            <a:ext cx="10514160" cy="1324080"/>
+            <a:ext cx="10513800" cy="1323720"/>
           </a:xfrm>
           <a:prstGeom prst="rect">
             <a:avLst/>
@@ -4140,7 +4140,7 @@
         <p:spPr>
           <a:xfrm>
             <a:off x="838080" y="1825560"/>
-            <a:ext cx="10514160" cy="4349880"/>
+            <a:ext cx="10513800" cy="4349520"/>
           </a:xfrm>
           <a:prstGeom prst="rect">
             <a:avLst/>
@@ -4170,7 +4170,7 @@
         <p:spPr>
           <a:xfrm>
             <a:off x="119160" y="349920"/>
-            <a:ext cx="11313360" cy="6256080"/>
+            <a:ext cx="11313000" cy="6255720"/>
           </a:xfrm>
           <a:prstGeom prst="rect">
             <a:avLst/>
@@ -4222,8 +4222,8 @@
         </p:blipFill>
         <p:spPr>
           <a:xfrm>
-            <a:off x="342360" y="1620000"/>
-            <a:ext cx="11357640" cy="3727080"/>
+            <a:off x="666000" y="1574640"/>
+            <a:ext cx="10134000" cy="4005360"/>
           </a:xfrm>
           <a:prstGeom prst="rect">
             <a:avLst/>
